--- a/モデル提出用/モデル_最終版.pptx
+++ b/モデル提出用/モデル_最終版.pptx
@@ -146,7 +146,7 @@
   </p:defaultTextStyle>
   <p:extLst>
     <p:ext uri="{EFAFB233-063F-42B5-8137-9DF3F51BA10A}">
-      <p15:sldGuideLst xmlns:p15="http://schemas.microsoft.com/office/powerpoint/2012/main" xmlns="">
+      <p15:sldGuideLst xmlns="" xmlns:p15="http://schemas.microsoft.com/office/powerpoint/2012/main">
         <p15:guide id="1" orient="horz" pos="3368" userDrawn="1">
           <p15:clr>
             <a:srgbClr val="A4A3A4"/>
@@ -160,7 +160,7 @@
       </p15:sldGuideLst>
     </p:ext>
     <p:ext uri="{2D200454-40CA-4A62-9FC3-DE9A4176ACB9}">
-      <p15:notesGuideLst xmlns:p15="http://schemas.microsoft.com/office/powerpoint/2012/main" xmlns="">
+      <p15:notesGuideLst xmlns="" xmlns:p15="http://schemas.microsoft.com/office/powerpoint/2012/main">
         <p15:guide id="1" orient="horz" pos="3214" userDrawn="1">
           <p15:clr>
             <a:srgbClr val="A4A3A4"/>
@@ -4197,7 +4197,7 @@
           <p:cNvPr id="16" name="テキスト ボックス 15">
             <a:extLst>
               <a:ext uri="{FF2B5EF4-FFF2-40B4-BE49-F238E27FC236}">
-                <a16:creationId xmlns:a16="http://schemas.microsoft.com/office/drawing/2014/main" xmlns="" id="{FBE064E7-1A85-4AD9-98DB-4B7D8573EBC8}"/>
+                <a16:creationId xmlns="" xmlns:a16="http://schemas.microsoft.com/office/drawing/2014/main" id="{FBE064E7-1A85-4AD9-98DB-4B7D8573EBC8}"/>
               </a:ext>
             </a:extLst>
           </p:cNvPr>
@@ -4310,7 +4310,7 @@
           <p:cNvPr id="20" name="タイトル 1">
             <a:extLst>
               <a:ext uri="{FF2B5EF4-FFF2-40B4-BE49-F238E27FC236}">
-                <a16:creationId xmlns:a16="http://schemas.microsoft.com/office/drawing/2014/main" xmlns="" id="{7C6D1384-7384-4F34-976A-6423FC7BDED1}"/>
+                <a16:creationId xmlns="" xmlns:a16="http://schemas.microsoft.com/office/drawing/2014/main" id="{7C6D1384-7384-4F34-976A-6423FC7BDED1}"/>
               </a:ext>
             </a:extLst>
           </p:cNvPr>
@@ -4406,7 +4406,7 @@
           <p:cNvPr id="2" name="グループ化 1">
             <a:extLst>
               <a:ext uri="{FF2B5EF4-FFF2-40B4-BE49-F238E27FC236}">
-                <a16:creationId xmlns:a16="http://schemas.microsoft.com/office/drawing/2014/main" xmlns="" id="{6A95955B-FB88-4057-9047-590447CC9483}"/>
+                <a16:creationId xmlns="" xmlns:a16="http://schemas.microsoft.com/office/drawing/2014/main" id="{6A95955B-FB88-4057-9047-590447CC9483}"/>
               </a:ext>
             </a:extLst>
           </p:cNvPr>
@@ -4426,7 +4426,7 @@
             <p:cNvPr id="46" name="四角形: 角を丸くする 45">
               <a:extLst>
                 <a:ext uri="{FF2B5EF4-FFF2-40B4-BE49-F238E27FC236}">
-                  <a16:creationId xmlns:a16="http://schemas.microsoft.com/office/drawing/2014/main" xmlns="" id="{C54D97E5-BBED-4B62-AEAC-5E6EA86D6D58}"/>
+                  <a16:creationId xmlns="" xmlns:a16="http://schemas.microsoft.com/office/drawing/2014/main" id="{C54D97E5-BBED-4B62-AEAC-5E6EA86D6D58}"/>
                 </a:ext>
               </a:extLst>
             </p:cNvPr>
@@ -4476,7 +4476,7 @@
             <p:cNvPr id="33" name="図 32">
               <a:extLst>
                 <a:ext uri="{FF2B5EF4-FFF2-40B4-BE49-F238E27FC236}">
-                  <a16:creationId xmlns:a16="http://schemas.microsoft.com/office/drawing/2014/main" xmlns="" id="{2834547B-4943-4986-AE02-109490D0F375}"/>
+                  <a16:creationId xmlns="" xmlns:a16="http://schemas.microsoft.com/office/drawing/2014/main" id="{2834547B-4943-4986-AE02-109490D0F375}"/>
                 </a:ext>
               </a:extLst>
             </p:cNvPr>
@@ -4511,7 +4511,7 @@
             <p:cNvPr id="47" name="テキスト ボックス 46">
               <a:extLst>
                 <a:ext uri="{FF2B5EF4-FFF2-40B4-BE49-F238E27FC236}">
-                  <a16:creationId xmlns:a16="http://schemas.microsoft.com/office/drawing/2014/main" xmlns="" id="{723A821E-E17B-4442-9D32-4CB9514B03B0}"/>
+                  <a16:creationId xmlns="" xmlns:a16="http://schemas.microsoft.com/office/drawing/2014/main" id="{723A821E-E17B-4442-9D32-4CB9514B03B0}"/>
                 </a:ext>
               </a:extLst>
             </p:cNvPr>
@@ -4551,7 +4551,7 @@
           <p:cNvPr id="22" name="グループ化 21">
             <a:extLst>
               <a:ext uri="{FF2B5EF4-FFF2-40B4-BE49-F238E27FC236}">
-                <a16:creationId xmlns:a16="http://schemas.microsoft.com/office/drawing/2014/main" xmlns="" id="{5EC8724F-0194-4A73-AA64-646C1B4A511E}"/>
+                <a16:creationId xmlns="" xmlns:a16="http://schemas.microsoft.com/office/drawing/2014/main" id="{5EC8724F-0194-4A73-AA64-646C1B4A511E}"/>
               </a:ext>
             </a:extLst>
           </p:cNvPr>
@@ -4571,7 +4571,7 @@
             <p:cNvPr id="32" name="四角形: 角を丸くする 31">
               <a:extLst>
                 <a:ext uri="{FF2B5EF4-FFF2-40B4-BE49-F238E27FC236}">
-                  <a16:creationId xmlns:a16="http://schemas.microsoft.com/office/drawing/2014/main" xmlns="" id="{2CB54470-E1EE-4955-BF14-A25A1992B9AE}"/>
+                  <a16:creationId xmlns="" xmlns:a16="http://schemas.microsoft.com/office/drawing/2014/main" id="{2CB54470-E1EE-4955-BF14-A25A1992B9AE}"/>
                 </a:ext>
               </a:extLst>
             </p:cNvPr>
@@ -4634,7 +4634,7 @@
             <p:cNvPr id="25" name="テキスト ボックス 24">
               <a:extLst>
                 <a:ext uri="{FF2B5EF4-FFF2-40B4-BE49-F238E27FC236}">
-                  <a16:creationId xmlns:a16="http://schemas.microsoft.com/office/drawing/2014/main" xmlns="" id="{825F097D-4588-4F8F-AA42-B0D77B0F9CE3}"/>
+                  <a16:creationId xmlns="" xmlns:a16="http://schemas.microsoft.com/office/drawing/2014/main" id="{825F097D-4588-4F8F-AA42-B0D77B0F9CE3}"/>
                 </a:ext>
               </a:extLst>
             </p:cNvPr>
@@ -4670,7 +4670,7 @@
           <p:cNvPr id="36" name="図 35">
             <a:extLst>
               <a:ext uri="{FF2B5EF4-FFF2-40B4-BE49-F238E27FC236}">
-                <a16:creationId xmlns:a16="http://schemas.microsoft.com/office/drawing/2014/main" xmlns="" id="{F2DEFD4D-2BB9-4C99-943A-B46030D0815F}"/>
+                <a16:creationId xmlns="" xmlns:a16="http://schemas.microsoft.com/office/drawing/2014/main" id="{F2DEFD4D-2BB9-4C99-943A-B46030D0815F}"/>
               </a:ext>
             </a:extLst>
           </p:cNvPr>
@@ -4705,7 +4705,7 @@
           <p:cNvPr id="31" name="二等辺三角形 30">
             <a:extLst>
               <a:ext uri="{FF2B5EF4-FFF2-40B4-BE49-F238E27FC236}">
-                <a16:creationId xmlns:a16="http://schemas.microsoft.com/office/drawing/2014/main" xmlns="" id="{A4243E94-9E24-4BB2-8706-BAB71964FF68}"/>
+                <a16:creationId xmlns="" xmlns:a16="http://schemas.microsoft.com/office/drawing/2014/main" id="{A4243E94-9E24-4BB2-8706-BAB71964FF68}"/>
               </a:ext>
             </a:extLst>
           </p:cNvPr>
@@ -4759,7 +4759,7 @@
           <p:cNvPr id="7" name="グループ化 6">
             <a:extLst>
               <a:ext uri="{FF2B5EF4-FFF2-40B4-BE49-F238E27FC236}">
-                <a16:creationId xmlns:a16="http://schemas.microsoft.com/office/drawing/2014/main" xmlns="" id="{BA7E280E-23EB-4251-A935-D04A5218C307}"/>
+                <a16:creationId xmlns="" xmlns:a16="http://schemas.microsoft.com/office/drawing/2014/main" id="{BA7E280E-23EB-4251-A935-D04A5218C307}"/>
               </a:ext>
             </a:extLst>
           </p:cNvPr>
@@ -4779,7 +4779,7 @@
             <p:cNvPr id="35" name="グループ化 34">
               <a:extLst>
                 <a:ext uri="{FF2B5EF4-FFF2-40B4-BE49-F238E27FC236}">
-                  <a16:creationId xmlns:a16="http://schemas.microsoft.com/office/drawing/2014/main" xmlns="" id="{198A60A0-027B-4507-9206-3708E7EBC866}"/>
+                  <a16:creationId xmlns="" xmlns:a16="http://schemas.microsoft.com/office/drawing/2014/main" id="{198A60A0-027B-4507-9206-3708E7EBC866}"/>
                 </a:ext>
               </a:extLst>
             </p:cNvPr>
@@ -4799,7 +4799,7 @@
               <p:cNvPr id="29" name="四角形: 角を丸くする 2">
                 <a:extLst>
                   <a:ext uri="{FF2B5EF4-FFF2-40B4-BE49-F238E27FC236}">
-                    <a16:creationId xmlns:a16="http://schemas.microsoft.com/office/drawing/2014/main" xmlns="" id="{2B99B1EA-17D2-4495-A343-2A1713BC8495}"/>
+                    <a16:creationId xmlns="" xmlns:a16="http://schemas.microsoft.com/office/drawing/2014/main" id="{2B99B1EA-17D2-4495-A343-2A1713BC8495}"/>
                   </a:ext>
                 </a:extLst>
               </p:cNvPr>
@@ -4855,7 +4855,7 @@
               <p:cNvPr id="9" name="直線コネクタ 8">
                 <a:extLst>
                   <a:ext uri="{FF2B5EF4-FFF2-40B4-BE49-F238E27FC236}">
-                    <a16:creationId xmlns:a16="http://schemas.microsoft.com/office/drawing/2014/main" xmlns="" id="{59E591C2-C00D-48E3-ABC6-CFCF840C0BB8}"/>
+                    <a16:creationId xmlns="" xmlns:a16="http://schemas.microsoft.com/office/drawing/2014/main" id="{59E591C2-C00D-48E3-ABC6-CFCF840C0BB8}"/>
                   </a:ext>
                 </a:extLst>
               </p:cNvPr>
@@ -4912,7 +4912,7 @@
               <p:cNvPr id="10" name="直線コネクタ 9">
                 <a:extLst>
                   <a:ext uri="{FF2B5EF4-FFF2-40B4-BE49-F238E27FC236}">
-                    <a16:creationId xmlns:a16="http://schemas.microsoft.com/office/drawing/2014/main" xmlns="" id="{11FED210-3E54-4989-B8F1-66BC67898A48}"/>
+                    <a16:creationId xmlns="" xmlns:a16="http://schemas.microsoft.com/office/drawing/2014/main" id="{11FED210-3E54-4989-B8F1-66BC67898A48}"/>
                   </a:ext>
                 </a:extLst>
               </p:cNvPr>
@@ -4969,7 +4969,7 @@
               <p:cNvPr id="11" name="直線コネクタ 10">
                 <a:extLst>
                   <a:ext uri="{FF2B5EF4-FFF2-40B4-BE49-F238E27FC236}">
-                    <a16:creationId xmlns:a16="http://schemas.microsoft.com/office/drawing/2014/main" xmlns="" id="{58746A49-3050-4518-A47D-F346298CE0A0}"/>
+                    <a16:creationId xmlns="" xmlns:a16="http://schemas.microsoft.com/office/drawing/2014/main" id="{58746A49-3050-4518-A47D-F346298CE0A0}"/>
                   </a:ext>
                 </a:extLst>
               </p:cNvPr>
@@ -5026,7 +5026,7 @@
               <p:cNvPr id="12" name="正方形/長方形 11">
                 <a:extLst>
                   <a:ext uri="{FF2B5EF4-FFF2-40B4-BE49-F238E27FC236}">
-                    <a16:creationId xmlns:a16="http://schemas.microsoft.com/office/drawing/2014/main" xmlns="" id="{9DECE021-E8EA-4E83-B550-D55B4C9FFF48}"/>
+                    <a16:creationId xmlns="" xmlns:a16="http://schemas.microsoft.com/office/drawing/2014/main" id="{9DECE021-E8EA-4E83-B550-D55B4C9FFF48}"/>
                   </a:ext>
                 </a:extLst>
               </p:cNvPr>
@@ -5089,7 +5089,7 @@
               <p:cNvPr id="13" name="正方形/長方形 12">
                 <a:extLst>
                   <a:ext uri="{FF2B5EF4-FFF2-40B4-BE49-F238E27FC236}">
-                    <a16:creationId xmlns:a16="http://schemas.microsoft.com/office/drawing/2014/main" xmlns="" id="{9383FF73-90D3-42DD-BC3B-7F3FD6B34BEA}"/>
+                    <a16:creationId xmlns="" xmlns:a16="http://schemas.microsoft.com/office/drawing/2014/main" id="{9383FF73-90D3-42DD-BC3B-7F3FD6B34BEA}"/>
                   </a:ext>
                 </a:extLst>
               </p:cNvPr>
@@ -5175,7 +5175,7 @@
               <p:cNvPr id="14" name="正方形/長方形 13">
                 <a:extLst>
                   <a:ext uri="{FF2B5EF4-FFF2-40B4-BE49-F238E27FC236}">
-                    <a16:creationId xmlns:a16="http://schemas.microsoft.com/office/drawing/2014/main" xmlns="" id="{CD9080B7-7DDA-4F8F-8486-CA62F83DBF35}"/>
+                    <a16:creationId xmlns="" xmlns:a16="http://schemas.microsoft.com/office/drawing/2014/main" id="{CD9080B7-7DDA-4F8F-8486-CA62F83DBF35}"/>
                   </a:ext>
                 </a:extLst>
               </p:cNvPr>
@@ -5261,7 +5261,7 @@
               <p:cNvPr id="30" name="テキスト ボックス 29">
                 <a:extLst>
                   <a:ext uri="{FF2B5EF4-FFF2-40B4-BE49-F238E27FC236}">
-                    <a16:creationId xmlns:a16="http://schemas.microsoft.com/office/drawing/2014/main" xmlns="" id="{825F097D-4588-4F8F-AA42-B0D77B0F9CE3}"/>
+                    <a16:creationId xmlns="" xmlns:a16="http://schemas.microsoft.com/office/drawing/2014/main" id="{825F097D-4588-4F8F-AA42-B0D77B0F9CE3}"/>
                   </a:ext>
                 </a:extLst>
               </p:cNvPr>
@@ -5303,7 +5303,7 @@
               <p:cNvPr id="34" name="四角形: 角を丸くする 33">
                 <a:extLst>
                   <a:ext uri="{FF2B5EF4-FFF2-40B4-BE49-F238E27FC236}">
-                    <a16:creationId xmlns:a16="http://schemas.microsoft.com/office/drawing/2014/main" xmlns="" id="{9DD4FF66-C078-4F0A-AA25-4C5C5256DFBD}"/>
+                    <a16:creationId xmlns="" xmlns:a16="http://schemas.microsoft.com/office/drawing/2014/main" id="{9DD4FF66-C078-4F0A-AA25-4C5C5256DFBD}"/>
                   </a:ext>
                 </a:extLst>
               </p:cNvPr>
@@ -5359,7 +5359,7 @@
               <p:cNvPr id="37" name="四角形: 角を丸くする 36">
                 <a:extLst>
                   <a:ext uri="{FF2B5EF4-FFF2-40B4-BE49-F238E27FC236}">
-                    <a16:creationId xmlns:a16="http://schemas.microsoft.com/office/drawing/2014/main" xmlns="" id="{2C5C874F-2F41-4894-BDD7-482235C2458B}"/>
+                    <a16:creationId xmlns="" xmlns:a16="http://schemas.microsoft.com/office/drawing/2014/main" id="{2C5C874F-2F41-4894-BDD7-482235C2458B}"/>
                   </a:ext>
                 </a:extLst>
               </p:cNvPr>
@@ -5415,7 +5415,7 @@
               <p:cNvPr id="38" name="四角形: 角を丸くする 37">
                 <a:extLst>
                   <a:ext uri="{FF2B5EF4-FFF2-40B4-BE49-F238E27FC236}">
-                    <a16:creationId xmlns:a16="http://schemas.microsoft.com/office/drawing/2014/main" xmlns="" id="{E9B70D76-41E0-4E19-A3BF-8AD444950A08}"/>
+                    <a16:creationId xmlns="" xmlns:a16="http://schemas.microsoft.com/office/drawing/2014/main" id="{E9B70D76-41E0-4E19-A3BF-8AD444950A08}"/>
                   </a:ext>
                 </a:extLst>
               </p:cNvPr>
@@ -5473,7 +5473,7 @@
               <p:cNvPr id="39" name="四角形: 角を丸くする 38">
                 <a:extLst>
                   <a:ext uri="{FF2B5EF4-FFF2-40B4-BE49-F238E27FC236}">
-                    <a16:creationId xmlns:a16="http://schemas.microsoft.com/office/drawing/2014/main" xmlns="" id="{B8278682-A999-47EB-864E-5A64DBC1C1D2}"/>
+                    <a16:creationId xmlns="" xmlns:a16="http://schemas.microsoft.com/office/drawing/2014/main" id="{B8278682-A999-47EB-864E-5A64DBC1C1D2}"/>
                   </a:ext>
                 </a:extLst>
               </p:cNvPr>
@@ -5529,7 +5529,7 @@
               <p:cNvPr id="40" name="四角形: 角を丸くする 39">
                 <a:extLst>
                   <a:ext uri="{FF2B5EF4-FFF2-40B4-BE49-F238E27FC236}">
-                    <a16:creationId xmlns:a16="http://schemas.microsoft.com/office/drawing/2014/main" xmlns="" id="{CB46362A-988A-402D-AB74-663823BD4423}"/>
+                    <a16:creationId xmlns="" xmlns:a16="http://schemas.microsoft.com/office/drawing/2014/main" id="{CB46362A-988A-402D-AB74-663823BD4423}"/>
                   </a:ext>
                 </a:extLst>
               </p:cNvPr>
@@ -5588,7 +5588,7 @@
             <p:cNvPr id="6" name="図 5">
               <a:extLst>
                 <a:ext uri="{FF2B5EF4-FFF2-40B4-BE49-F238E27FC236}">
-                  <a16:creationId xmlns:a16="http://schemas.microsoft.com/office/drawing/2014/main" xmlns="" id="{6022D721-BE7F-4491-AFB0-60454F00C9D0}"/>
+                  <a16:creationId xmlns="" xmlns:a16="http://schemas.microsoft.com/office/drawing/2014/main" id="{6022D721-BE7F-4491-AFB0-60454F00C9D0}"/>
                 </a:ext>
               </a:extLst>
             </p:cNvPr>
@@ -5655,7 +5655,7 @@
           <p:cNvPr id="15" name="図 14">
             <a:extLst>
               <a:ext uri="{FF2B5EF4-FFF2-40B4-BE49-F238E27FC236}">
-                <a16:creationId xmlns:a16="http://schemas.microsoft.com/office/drawing/2014/main" xmlns="" id="{08BBB459-9D47-4ED8-883D-72BE577D239C}"/>
+                <a16:creationId xmlns="" xmlns:a16="http://schemas.microsoft.com/office/drawing/2014/main" id="{08BBB459-9D47-4ED8-883D-72BE577D239C}"/>
               </a:ext>
             </a:extLst>
           </p:cNvPr>
@@ -5754,7 +5754,7 @@
           <p:cNvPr id="11" name="四角形: 角を丸くする 10">
             <a:extLst>
               <a:ext uri="{FF2B5EF4-FFF2-40B4-BE49-F238E27FC236}">
-                <a16:creationId xmlns:a16="http://schemas.microsoft.com/office/drawing/2014/main" xmlns="" id="{8D728D74-7BE4-4AAF-9546-CBEB3D136285}"/>
+                <a16:creationId xmlns="" xmlns:a16="http://schemas.microsoft.com/office/drawing/2014/main" id="{8D728D74-7BE4-4AAF-9546-CBEB3D136285}"/>
               </a:ext>
             </a:extLst>
           </p:cNvPr>
@@ -5804,7 +5804,7 @@
           <p:cNvPr id="12" name="テキスト ボックス 11">
             <a:extLst>
               <a:ext uri="{FF2B5EF4-FFF2-40B4-BE49-F238E27FC236}">
-                <a16:creationId xmlns:a16="http://schemas.microsoft.com/office/drawing/2014/main" xmlns="" id="{6DAB8946-024A-424B-9B7B-03ED2B52099B}"/>
+                <a16:creationId xmlns="" xmlns:a16="http://schemas.microsoft.com/office/drawing/2014/main" id="{6DAB8946-024A-424B-9B7B-03ED2B52099B}"/>
               </a:ext>
             </a:extLst>
           </p:cNvPr>
@@ -5839,7 +5839,7 @@
           <p:cNvPr id="3" name="四角形: 角を丸くする 2">
             <a:extLst>
               <a:ext uri="{FF2B5EF4-FFF2-40B4-BE49-F238E27FC236}">
-                <a16:creationId xmlns:a16="http://schemas.microsoft.com/office/drawing/2014/main" xmlns="" id="{2B99B1EA-17D2-4495-A343-2A1713BC8495}"/>
+                <a16:creationId xmlns="" xmlns:a16="http://schemas.microsoft.com/office/drawing/2014/main" id="{2B99B1EA-17D2-4495-A343-2A1713BC8495}"/>
               </a:ext>
             </a:extLst>
           </p:cNvPr>
@@ -5889,7 +5889,7 @@
           <p:cNvPr id="2" name="タイトル 1">
             <a:extLst>
               <a:ext uri="{FF2B5EF4-FFF2-40B4-BE49-F238E27FC236}">
-                <a16:creationId xmlns:a16="http://schemas.microsoft.com/office/drawing/2014/main" xmlns="" id="{00985285-FEFA-4CC6-9C7D-D07529FB9C08}"/>
+                <a16:creationId xmlns="" xmlns:a16="http://schemas.microsoft.com/office/drawing/2014/main" id="{00985285-FEFA-4CC6-9C7D-D07529FB9C08}"/>
               </a:ext>
             </a:extLst>
           </p:cNvPr>
@@ -5932,7 +5932,7 @@
           <p:cNvPr id="14" name="テキスト ボックス 13">
             <a:extLst>
               <a:ext uri="{FF2B5EF4-FFF2-40B4-BE49-F238E27FC236}">
-                <a16:creationId xmlns:a16="http://schemas.microsoft.com/office/drawing/2014/main" xmlns="" id="{6D709A13-6AAF-442E-AD6F-978BDC42B238}"/>
+                <a16:creationId xmlns="" xmlns:a16="http://schemas.microsoft.com/office/drawing/2014/main" id="{6D709A13-6AAF-442E-AD6F-978BDC42B238}"/>
               </a:ext>
             </a:extLst>
           </p:cNvPr>
@@ -6074,7 +6074,7 @@
           <p:cNvPr id="22" name="テキスト ボックス 21">
             <a:extLst>
               <a:ext uri="{FF2B5EF4-FFF2-40B4-BE49-F238E27FC236}">
-                <a16:creationId xmlns:a16="http://schemas.microsoft.com/office/drawing/2014/main" xmlns="" id="{6DAB8946-024A-424B-9B7B-03ED2B52099B}"/>
+                <a16:creationId xmlns="" xmlns:a16="http://schemas.microsoft.com/office/drawing/2014/main" id="{6DAB8946-024A-424B-9B7B-03ED2B52099B}"/>
               </a:ext>
             </a:extLst>
           </p:cNvPr>
@@ -6109,7 +6109,7 @@
           <p:cNvPr id="23" name="テキスト ボックス 22">
             <a:extLst>
               <a:ext uri="{FF2B5EF4-FFF2-40B4-BE49-F238E27FC236}">
-                <a16:creationId xmlns:a16="http://schemas.microsoft.com/office/drawing/2014/main" xmlns="" id="{825F097D-4588-4F8F-AA42-B0D77B0F9CE3}"/>
+                <a16:creationId xmlns="" xmlns:a16="http://schemas.microsoft.com/office/drawing/2014/main" id="{825F097D-4588-4F8F-AA42-B0D77B0F9CE3}"/>
               </a:ext>
             </a:extLst>
           </p:cNvPr>
@@ -6144,7 +6144,7 @@
           <p:cNvPr id="5" name="図 4">
             <a:extLst>
               <a:ext uri="{FF2B5EF4-FFF2-40B4-BE49-F238E27FC236}">
-                <a16:creationId xmlns:a16="http://schemas.microsoft.com/office/drawing/2014/main" xmlns="" id="{E2860592-9D52-493B-98FB-E4DB6ABB19ED}"/>
+                <a16:creationId xmlns="" xmlns:a16="http://schemas.microsoft.com/office/drawing/2014/main" id="{E2860592-9D52-493B-98FB-E4DB6ABB19ED}"/>
               </a:ext>
             </a:extLst>
           </p:cNvPr>
@@ -6179,7 +6179,7 @@
           <p:cNvPr id="9" name="図 8">
             <a:extLst>
               <a:ext uri="{FF2B5EF4-FFF2-40B4-BE49-F238E27FC236}">
-                <a16:creationId xmlns:a16="http://schemas.microsoft.com/office/drawing/2014/main" xmlns="" id="{AFD89351-FEAA-44D2-8556-30E4AFF8F25A}"/>
+                <a16:creationId xmlns="" xmlns:a16="http://schemas.microsoft.com/office/drawing/2014/main" id="{AFD89351-FEAA-44D2-8556-30E4AFF8F25A}"/>
               </a:ext>
             </a:extLst>
           </p:cNvPr>
@@ -6214,7 +6214,7 @@
           <p:cNvPr id="21" name="テキスト ボックス 20">
             <a:extLst>
               <a:ext uri="{FF2B5EF4-FFF2-40B4-BE49-F238E27FC236}">
-                <a16:creationId xmlns:a16="http://schemas.microsoft.com/office/drawing/2014/main" xmlns="" id="{07333EB0-9997-44D2-8796-F4EEFD9A2F38}"/>
+                <a16:creationId xmlns="" xmlns:a16="http://schemas.microsoft.com/office/drawing/2014/main" id="{07333EB0-9997-44D2-8796-F4EEFD9A2F38}"/>
               </a:ext>
             </a:extLst>
           </p:cNvPr>
@@ -6377,7 +6377,7 @@
           <p:cNvPr id="108" name="正方形/長方形 107">
             <a:extLst>
               <a:ext uri="{FF2B5EF4-FFF2-40B4-BE49-F238E27FC236}">
-                <a16:creationId xmlns:a16="http://schemas.microsoft.com/office/drawing/2014/main" xmlns="" id="{F0AD242C-2707-42C1-B855-282DE7356811}"/>
+                <a16:creationId xmlns="" xmlns:a16="http://schemas.microsoft.com/office/drawing/2014/main" id="{F0AD242C-2707-42C1-B855-282DE7356811}"/>
               </a:ext>
             </a:extLst>
           </p:cNvPr>
@@ -6425,7 +6425,7 @@
           <p:cNvPr id="109" name="図 108">
             <a:extLst>
               <a:ext uri="{FF2B5EF4-FFF2-40B4-BE49-F238E27FC236}">
-                <a16:creationId xmlns:a16="http://schemas.microsoft.com/office/drawing/2014/main" xmlns="" id="{F7515783-8844-40D8-BA89-8BF2C6CE5E06}"/>
+                <a16:creationId xmlns="" xmlns:a16="http://schemas.microsoft.com/office/drawing/2014/main" id="{F7515783-8844-40D8-BA89-8BF2C6CE5E06}"/>
               </a:ext>
             </a:extLst>
           </p:cNvPr>
@@ -6472,7 +6472,7 @@
           <p:cNvPr id="128" name="直線矢印コネクタ 127">
             <a:extLst>
               <a:ext uri="{FF2B5EF4-FFF2-40B4-BE49-F238E27FC236}">
-                <a16:creationId xmlns:a16="http://schemas.microsoft.com/office/drawing/2014/main" xmlns="" id="{6755A929-D77C-462A-BF40-EE03A82AF4AD}"/>
+                <a16:creationId xmlns="" xmlns:a16="http://schemas.microsoft.com/office/drawing/2014/main" id="{6755A929-D77C-462A-BF40-EE03A82AF4AD}"/>
               </a:ext>
             </a:extLst>
           </p:cNvPr>
@@ -6520,7 +6520,7 @@
           <p:cNvPr id="75" name="正方形/長方形 74">
             <a:extLst>
               <a:ext uri="{FF2B5EF4-FFF2-40B4-BE49-F238E27FC236}">
-                <a16:creationId xmlns:a16="http://schemas.microsoft.com/office/drawing/2014/main" xmlns="" id="{65B6E9C6-BDDF-4589-AF2F-415BE7314BD5}"/>
+                <a16:creationId xmlns="" xmlns:a16="http://schemas.microsoft.com/office/drawing/2014/main" id="{65B6E9C6-BDDF-4589-AF2F-415BE7314BD5}"/>
               </a:ext>
             </a:extLst>
           </p:cNvPr>
@@ -6568,7 +6568,7 @@
           <p:cNvPr id="2" name="タイトル 1">
             <a:extLst>
               <a:ext uri="{FF2B5EF4-FFF2-40B4-BE49-F238E27FC236}">
-                <a16:creationId xmlns:a16="http://schemas.microsoft.com/office/drawing/2014/main" xmlns="" id="{7C6D1384-7384-4F34-976A-6423FC7BDED1}"/>
+                <a16:creationId xmlns="" xmlns:a16="http://schemas.microsoft.com/office/drawing/2014/main" id="{7C6D1384-7384-4F34-976A-6423FC7BDED1}"/>
               </a:ext>
             </a:extLst>
           </p:cNvPr>
@@ -6616,7 +6616,7 @@
           <p:cNvPr id="5" name="コンテンツ プレースホルダー 4">
             <a:extLst>
               <a:ext uri="{FF2B5EF4-FFF2-40B4-BE49-F238E27FC236}">
-                <a16:creationId xmlns:a16="http://schemas.microsoft.com/office/drawing/2014/main" xmlns="" id="{78BEDC78-BE93-419F-B994-EF7EB31EC404}"/>
+                <a16:creationId xmlns="" xmlns:a16="http://schemas.microsoft.com/office/drawing/2014/main" id="{78BEDC78-BE93-419F-B994-EF7EB31EC404}"/>
               </a:ext>
             </a:extLst>
           </p:cNvPr>
@@ -6651,7 +6651,7 @@
           <p:cNvPr id="6" name="表 5">
             <a:extLst>
               <a:ext uri="{FF2B5EF4-FFF2-40B4-BE49-F238E27FC236}">
-                <a16:creationId xmlns:a16="http://schemas.microsoft.com/office/drawing/2014/main" xmlns="" id="{D1B92A2D-C124-403D-A056-967A8A9A5257}"/>
+                <a16:creationId xmlns="" xmlns:a16="http://schemas.microsoft.com/office/drawing/2014/main" id="{D1B92A2D-C124-403D-A056-967A8A9A5257}"/>
               </a:ext>
             </a:extLst>
           </p:cNvPr>
@@ -6680,7 +6680,7 @@
                 <a:gridCol w="1656184">
                   <a:extLst>
                     <a:ext uri="{9D8B030D-6E8A-4147-A177-3AD203B41FA5}">
-                      <a16:colId xmlns:a16="http://schemas.microsoft.com/office/drawing/2014/main" xmlns="" val="4164257565"/>
+                      <a16:colId xmlns="" xmlns:a16="http://schemas.microsoft.com/office/drawing/2014/main" val="4164257565"/>
                     </a:ext>
                   </a:extLst>
                 </a:gridCol>
@@ -6709,7 +6709,7 @@
                 </a:tc>
                 <a:extLst>
                   <a:ext uri="{0D108BD9-81ED-4DB2-BD59-A6C34878D82A}">
-                    <a16:rowId xmlns:a16="http://schemas.microsoft.com/office/drawing/2014/main" xmlns="" val="4063214700"/>
+                    <a16:rowId xmlns="" xmlns:a16="http://schemas.microsoft.com/office/drawing/2014/main" val="4063214700"/>
                   </a:ext>
                 </a:extLst>
               </a:tr>
@@ -6722,7 +6722,7 @@
           <p:cNvPr id="7" name="表 6">
             <a:extLst>
               <a:ext uri="{FF2B5EF4-FFF2-40B4-BE49-F238E27FC236}">
-                <a16:creationId xmlns:a16="http://schemas.microsoft.com/office/drawing/2014/main" xmlns="" id="{B250BF7B-4415-474D-B1C7-83DADEA60E3F}"/>
+                <a16:creationId xmlns="" xmlns:a16="http://schemas.microsoft.com/office/drawing/2014/main" id="{B250BF7B-4415-474D-B1C7-83DADEA60E3F}"/>
               </a:ext>
             </a:extLst>
           </p:cNvPr>
@@ -6751,7 +6751,7 @@
                 <a:gridCol w="1656184">
                   <a:extLst>
                     <a:ext uri="{9D8B030D-6E8A-4147-A177-3AD203B41FA5}">
-                      <a16:colId xmlns:a16="http://schemas.microsoft.com/office/drawing/2014/main" xmlns="" val="4164257565"/>
+                      <a16:colId xmlns="" xmlns:a16="http://schemas.microsoft.com/office/drawing/2014/main" val="4164257565"/>
                     </a:ext>
                   </a:extLst>
                 </a:gridCol>
@@ -6780,7 +6780,7 @@
                 </a:tc>
                 <a:extLst>
                   <a:ext uri="{0D108BD9-81ED-4DB2-BD59-A6C34878D82A}">
-                    <a16:rowId xmlns:a16="http://schemas.microsoft.com/office/drawing/2014/main" xmlns="" val="4063214700"/>
+                    <a16:rowId xmlns="" xmlns:a16="http://schemas.microsoft.com/office/drawing/2014/main" val="4063214700"/>
                   </a:ext>
                 </a:extLst>
               </a:tr>
@@ -6793,7 +6793,7 @@
           <p:cNvPr id="9" name="直線コネクタ 8">
             <a:extLst>
               <a:ext uri="{FF2B5EF4-FFF2-40B4-BE49-F238E27FC236}">
-                <a16:creationId xmlns:a16="http://schemas.microsoft.com/office/drawing/2014/main" xmlns="" id="{A85739F6-AEAB-452C-8804-9B81168D6606}"/>
+                <a16:creationId xmlns="" xmlns:a16="http://schemas.microsoft.com/office/drawing/2014/main" id="{A85739F6-AEAB-452C-8804-9B81168D6606}"/>
               </a:ext>
             </a:extLst>
           </p:cNvPr>
@@ -6839,7 +6839,7 @@
           <p:cNvPr id="18" name="直線矢印コネクタ 17">
             <a:extLst>
               <a:ext uri="{FF2B5EF4-FFF2-40B4-BE49-F238E27FC236}">
-                <a16:creationId xmlns:a16="http://schemas.microsoft.com/office/drawing/2014/main" xmlns="" id="{595F5C70-BAC1-4570-B773-CD8F4FCDEFDD}"/>
+                <a16:creationId xmlns="" xmlns:a16="http://schemas.microsoft.com/office/drawing/2014/main" id="{595F5C70-BAC1-4570-B773-CD8F4FCDEFDD}"/>
               </a:ext>
             </a:extLst>
           </p:cNvPr>
@@ -6887,7 +6887,7 @@
           <p:cNvPr id="19" name="直線矢印コネクタ 18">
             <a:extLst>
               <a:ext uri="{FF2B5EF4-FFF2-40B4-BE49-F238E27FC236}">
-                <a16:creationId xmlns:a16="http://schemas.microsoft.com/office/drawing/2014/main" xmlns="" id="{43CD856B-0543-403D-8218-7959380BA3BA}"/>
+                <a16:creationId xmlns="" xmlns:a16="http://schemas.microsoft.com/office/drawing/2014/main" id="{43CD856B-0543-403D-8218-7959380BA3BA}"/>
               </a:ext>
             </a:extLst>
           </p:cNvPr>
@@ -6937,7 +6937,7 @@
               <p:cNvPr id="21" name="テキスト ボックス 20">
                 <a:extLst>
                   <a:ext uri="{FF2B5EF4-FFF2-40B4-BE49-F238E27FC236}">
-                    <a16:creationId xmlns:a16="http://schemas.microsoft.com/office/drawing/2014/main" xmlns="" id="{672FD8CC-1ADF-4938-A534-25F88064CC15}"/>
+                    <a16:creationId xmlns="" xmlns:a16="http://schemas.microsoft.com/office/drawing/2014/main" id="{672FD8CC-1ADF-4938-A534-25F88064CC15}"/>
                   </a:ext>
                 </a:extLst>
               </p:cNvPr>
@@ -7040,7 +7040,7 @@
               <p:cNvPr id="23" name="テキスト ボックス 22">
                 <a:extLst>
                   <a:ext uri="{FF2B5EF4-FFF2-40B4-BE49-F238E27FC236}">
-                    <a16:creationId xmlns:a16="http://schemas.microsoft.com/office/drawing/2014/main" xmlns="" id="{08FDC959-34BC-4EFC-8F7F-D6765E7A1C12}"/>
+                    <a16:creationId xmlns="" xmlns:a16="http://schemas.microsoft.com/office/drawing/2014/main" id="{08FDC959-34BC-4EFC-8F7F-D6765E7A1C12}"/>
                   </a:ext>
                 </a:extLst>
               </p:cNvPr>
@@ -7141,7 +7141,7 @@
           <p:cNvPr id="24" name="テキスト ボックス 23">
             <a:extLst>
               <a:ext uri="{FF2B5EF4-FFF2-40B4-BE49-F238E27FC236}">
-                <a16:creationId xmlns:a16="http://schemas.microsoft.com/office/drawing/2014/main" xmlns="" id="{D2FF70DC-C013-4354-8E3D-E77AF095B349}"/>
+                <a16:creationId xmlns="" xmlns:a16="http://schemas.microsoft.com/office/drawing/2014/main" id="{D2FF70DC-C013-4354-8E3D-E77AF095B349}"/>
               </a:ext>
             </a:extLst>
           </p:cNvPr>
@@ -7185,7 +7185,7 @@
           <p:cNvPr id="37" name="図 36">
             <a:extLst>
               <a:ext uri="{FF2B5EF4-FFF2-40B4-BE49-F238E27FC236}">
-                <a16:creationId xmlns:a16="http://schemas.microsoft.com/office/drawing/2014/main" xmlns="" id="{5A33F9BF-5E42-444C-9904-291F4E17F28B}"/>
+                <a16:creationId xmlns="" xmlns:a16="http://schemas.microsoft.com/office/drawing/2014/main" id="{5A33F9BF-5E42-444C-9904-291F4E17F28B}"/>
               </a:ext>
             </a:extLst>
           </p:cNvPr>
@@ -7222,7 +7222,7 @@
           <p:cNvPr id="38" name="楕円 37">
             <a:extLst>
               <a:ext uri="{FF2B5EF4-FFF2-40B4-BE49-F238E27FC236}">
-                <a16:creationId xmlns:a16="http://schemas.microsoft.com/office/drawing/2014/main" xmlns="" id="{540D72E2-25B4-4B92-A3BF-4A28F2553598}"/>
+                <a16:creationId xmlns="" xmlns:a16="http://schemas.microsoft.com/office/drawing/2014/main" id="{540D72E2-25B4-4B92-A3BF-4A28F2553598}"/>
               </a:ext>
             </a:extLst>
           </p:cNvPr>
@@ -7272,7 +7272,7 @@
               <p:cNvPr id="45" name="吹き出し: 角を丸めた四角形 44">
                 <a:extLst>
                   <a:ext uri="{FF2B5EF4-FFF2-40B4-BE49-F238E27FC236}">
-                    <a16:creationId xmlns:a16="http://schemas.microsoft.com/office/drawing/2014/main" xmlns="" id="{6241B250-1564-43E8-9A23-CEA8E5FE13FC}"/>
+                    <a16:creationId xmlns="" xmlns:a16="http://schemas.microsoft.com/office/drawing/2014/main" id="{6241B250-1564-43E8-9A23-CEA8E5FE13FC}"/>
                   </a:ext>
                 </a:extLst>
               </p:cNvPr>
@@ -7639,7 +7639,7 @@
               <p:cNvPr id="46" name="吹き出し: 角を丸めた四角形 45">
                 <a:extLst>
                   <a:ext uri="{FF2B5EF4-FFF2-40B4-BE49-F238E27FC236}">
-                    <a16:creationId xmlns:a16="http://schemas.microsoft.com/office/drawing/2014/main" xmlns="" id="{FA247CF4-2D24-4664-9719-D4EFE930AB44}"/>
+                    <a16:creationId xmlns="" xmlns:a16="http://schemas.microsoft.com/office/drawing/2014/main" id="{FA247CF4-2D24-4664-9719-D4EFE930AB44}"/>
                   </a:ext>
                 </a:extLst>
               </p:cNvPr>
@@ -7946,7 +7946,7 @@
           <p:cNvPr id="40" name="楕円 39">
             <a:extLst>
               <a:ext uri="{FF2B5EF4-FFF2-40B4-BE49-F238E27FC236}">
-                <a16:creationId xmlns:a16="http://schemas.microsoft.com/office/drawing/2014/main" xmlns="" id="{C806DBFA-7D8B-4410-B0C1-D271BEA4F191}"/>
+                <a16:creationId xmlns="" xmlns:a16="http://schemas.microsoft.com/office/drawing/2014/main" id="{C806DBFA-7D8B-4410-B0C1-D271BEA4F191}"/>
               </a:ext>
             </a:extLst>
           </p:cNvPr>
@@ -7994,7 +7994,7 @@
           <p:cNvPr id="47" name="楕円 46">
             <a:extLst>
               <a:ext uri="{FF2B5EF4-FFF2-40B4-BE49-F238E27FC236}">
-                <a16:creationId xmlns:a16="http://schemas.microsoft.com/office/drawing/2014/main" xmlns="" id="{96120853-B804-4056-B254-4B048B360BA2}"/>
+                <a16:creationId xmlns="" xmlns:a16="http://schemas.microsoft.com/office/drawing/2014/main" id="{96120853-B804-4056-B254-4B048B360BA2}"/>
               </a:ext>
             </a:extLst>
           </p:cNvPr>
@@ -8044,7 +8044,7 @@
               <p:cNvPr id="48" name="吹き出し: 角を丸めた四角形 47">
                 <a:extLst>
                   <a:ext uri="{FF2B5EF4-FFF2-40B4-BE49-F238E27FC236}">
-                    <a16:creationId xmlns:a16="http://schemas.microsoft.com/office/drawing/2014/main" xmlns="" id="{74E63788-7728-4819-B62E-16849ABB6186}"/>
+                    <a16:creationId xmlns="" xmlns:a16="http://schemas.microsoft.com/office/drawing/2014/main" id="{74E63788-7728-4819-B62E-16849ABB6186}"/>
                   </a:ext>
                 </a:extLst>
               </p:cNvPr>
@@ -8184,7 +8184,7 @@
           <p:cNvPr id="53" name="四角形: 角を丸くする 52">
             <a:extLst>
               <a:ext uri="{FF2B5EF4-FFF2-40B4-BE49-F238E27FC236}">
-                <a16:creationId xmlns:a16="http://schemas.microsoft.com/office/drawing/2014/main" xmlns="" id="{6A0F3F5C-E2E9-42B3-82D0-3E1D3A8965FE}"/>
+                <a16:creationId xmlns="" xmlns:a16="http://schemas.microsoft.com/office/drawing/2014/main" id="{6A0F3F5C-E2E9-42B3-82D0-3E1D3A8965FE}"/>
               </a:ext>
             </a:extLst>
           </p:cNvPr>
@@ -8239,7 +8239,7 @@
               <p:cNvPr id="54" name="表 53">
                 <a:extLst>
                   <a:ext uri="{FF2B5EF4-FFF2-40B4-BE49-F238E27FC236}">
-                    <a16:creationId xmlns:a16="http://schemas.microsoft.com/office/drawing/2014/main" xmlns="" id="{EE1C7977-A65D-4A8C-9176-237050954D1C}"/>
+                    <a16:creationId xmlns="" xmlns:a16="http://schemas.microsoft.com/office/drawing/2014/main" id="{EE1C7977-A65D-4A8C-9176-237050954D1C}"/>
                   </a:ext>
                 </a:extLst>
               </p:cNvPr>
@@ -8268,28 +8268,28 @@
                     <a:gridCol w="447810">
                       <a:extLst>
                         <a:ext uri="{9D8B030D-6E8A-4147-A177-3AD203B41FA5}">
-                          <a16:colId xmlns:a16="http://schemas.microsoft.com/office/drawing/2014/main" xmlns="" val="3001262604"/>
+                          <a16:colId xmlns="" xmlns:a16="http://schemas.microsoft.com/office/drawing/2014/main" val="3001262604"/>
                         </a:ext>
                       </a:extLst>
                     </a:gridCol>
                     <a:gridCol w="422923">
                       <a:extLst>
                         <a:ext uri="{9D8B030D-6E8A-4147-A177-3AD203B41FA5}">
-                          <a16:colId xmlns:a16="http://schemas.microsoft.com/office/drawing/2014/main" xmlns="" val="700291227"/>
+                          <a16:colId xmlns="" xmlns:a16="http://schemas.microsoft.com/office/drawing/2014/main" val="700291227"/>
                         </a:ext>
                       </a:extLst>
                     </a:gridCol>
                     <a:gridCol w="422923">
                       <a:extLst>
                         <a:ext uri="{9D8B030D-6E8A-4147-A177-3AD203B41FA5}">
-                          <a16:colId xmlns:a16="http://schemas.microsoft.com/office/drawing/2014/main" xmlns="" val="398189225"/>
+                          <a16:colId xmlns="" xmlns:a16="http://schemas.microsoft.com/office/drawing/2014/main" val="398189225"/>
                         </a:ext>
                       </a:extLst>
                     </a:gridCol>
                     <a:gridCol w="422923">
                       <a:extLst>
                         <a:ext uri="{9D8B030D-6E8A-4147-A177-3AD203B41FA5}">
-                          <a16:colId xmlns:a16="http://schemas.microsoft.com/office/drawing/2014/main" xmlns="" val="771215092"/>
+                          <a16:colId xmlns="" xmlns:a16="http://schemas.microsoft.com/office/drawing/2014/main" val="771215092"/>
                         </a:ext>
                       </a:extLst>
                     </a:gridCol>
@@ -8406,7 +8406,7 @@
                     </a:tc>
                     <a:extLst>
                       <a:ext uri="{0D108BD9-81ED-4DB2-BD59-A6C34878D82A}">
-                        <a16:rowId xmlns:a16="http://schemas.microsoft.com/office/drawing/2014/main" xmlns="" val="3560462272"/>
+                        <a16:rowId xmlns="" xmlns:a16="http://schemas.microsoft.com/office/drawing/2014/main" val="3560462272"/>
                       </a:ext>
                     </a:extLst>
                   </a:tr>
@@ -8473,7 +8473,7 @@
                     </a:tc>
                     <a:extLst>
                       <a:ext uri="{0D108BD9-81ED-4DB2-BD59-A6C34878D82A}">
-                        <a16:rowId xmlns:a16="http://schemas.microsoft.com/office/drawing/2014/main" xmlns="" val="1376057248"/>
+                        <a16:rowId xmlns="" xmlns:a16="http://schemas.microsoft.com/office/drawing/2014/main" val="1376057248"/>
                       </a:ext>
                     </a:extLst>
                   </a:tr>
@@ -8580,7 +8580,7 @@
                     </a:tc>
                     <a:extLst>
                       <a:ext uri="{0D108BD9-81ED-4DB2-BD59-A6C34878D82A}">
-                        <a16:rowId xmlns:a16="http://schemas.microsoft.com/office/drawing/2014/main" xmlns="" val="3880445411"/>
+                        <a16:rowId xmlns="" xmlns:a16="http://schemas.microsoft.com/office/drawing/2014/main" val="3880445411"/>
                       </a:ext>
                     </a:extLst>
                   </a:tr>
@@ -8779,7 +8779,7 @@
                     </a:tc>
                     <a:extLst>
                       <a:ext uri="{0D108BD9-81ED-4DB2-BD59-A6C34878D82A}">
-                        <a16:rowId xmlns:a16="http://schemas.microsoft.com/office/drawing/2014/main" xmlns="" val="1954537068"/>
+                        <a16:rowId xmlns="" xmlns:a16="http://schemas.microsoft.com/office/drawing/2014/main" val="1954537068"/>
                       </a:ext>
                     </a:extLst>
                   </a:tr>
@@ -9006,7 +9006,7 @@
                     </a:tc>
                     <a:extLst>
                       <a:ext uri="{0D108BD9-81ED-4DB2-BD59-A6C34878D82A}">
-                        <a16:rowId xmlns:a16="http://schemas.microsoft.com/office/drawing/2014/main" xmlns="" val="3756818193"/>
+                        <a16:rowId xmlns="" xmlns:a16="http://schemas.microsoft.com/office/drawing/2014/main" val="3756818193"/>
                       </a:ext>
                     </a:extLst>
                   </a:tr>
@@ -9057,7 +9057,7 @@
                     </a:tc>
                     <a:extLst>
                       <a:ext uri="{0D108BD9-81ED-4DB2-BD59-A6C34878D82A}">
-                        <a16:rowId xmlns:a16="http://schemas.microsoft.com/office/drawing/2014/main" xmlns="" val="4206772201"/>
+                        <a16:rowId xmlns="" xmlns:a16="http://schemas.microsoft.com/office/drawing/2014/main" val="4206772201"/>
                       </a:ext>
                     </a:extLst>
                   </a:tr>
@@ -9108,7 +9108,7 @@
                     </a:tc>
                     <a:extLst>
                       <a:ext uri="{0D108BD9-81ED-4DB2-BD59-A6C34878D82A}">
-                        <a16:rowId xmlns:a16="http://schemas.microsoft.com/office/drawing/2014/main" xmlns="" val="3132775594"/>
+                        <a16:rowId xmlns="" xmlns:a16="http://schemas.microsoft.com/office/drawing/2014/main" val="3132775594"/>
                       </a:ext>
                     </a:extLst>
                   </a:tr>
@@ -9848,7 +9848,7 @@
           <p:cNvPr id="56" name="テキスト ボックス 55">
             <a:extLst>
               <a:ext uri="{FF2B5EF4-FFF2-40B4-BE49-F238E27FC236}">
-                <a16:creationId xmlns:a16="http://schemas.microsoft.com/office/drawing/2014/main" xmlns="" id="{58604741-0EFD-43F0-8321-A7DEB19C2119}"/>
+                <a16:creationId xmlns="" xmlns:a16="http://schemas.microsoft.com/office/drawing/2014/main" id="{58604741-0EFD-43F0-8321-A7DEB19C2119}"/>
               </a:ext>
             </a:extLst>
           </p:cNvPr>
@@ -9884,7 +9884,7 @@
           <p:cNvPr id="57" name="テキスト ボックス 56">
             <a:extLst>
               <a:ext uri="{FF2B5EF4-FFF2-40B4-BE49-F238E27FC236}">
-                <a16:creationId xmlns:a16="http://schemas.microsoft.com/office/drawing/2014/main" xmlns="" id="{5D36B73C-9E76-4424-A3A2-40900A4EC794}"/>
+                <a16:creationId xmlns="" xmlns:a16="http://schemas.microsoft.com/office/drawing/2014/main" id="{5D36B73C-9E76-4424-A3A2-40900A4EC794}"/>
               </a:ext>
             </a:extLst>
           </p:cNvPr>
@@ -9920,7 +9920,7 @@
           <p:cNvPr id="58" name="テキスト ボックス 57">
             <a:extLst>
               <a:ext uri="{FF2B5EF4-FFF2-40B4-BE49-F238E27FC236}">
-                <a16:creationId xmlns:a16="http://schemas.microsoft.com/office/drawing/2014/main" xmlns="" id="{18B3D723-E3D3-4C45-AAFD-90021E8C3DA4}"/>
+                <a16:creationId xmlns="" xmlns:a16="http://schemas.microsoft.com/office/drawing/2014/main" id="{18B3D723-E3D3-4C45-AAFD-90021E8C3DA4}"/>
               </a:ext>
             </a:extLst>
           </p:cNvPr>
@@ -9956,7 +9956,7 @@
           <p:cNvPr id="59" name="テキスト ボックス 58">
             <a:extLst>
               <a:ext uri="{FF2B5EF4-FFF2-40B4-BE49-F238E27FC236}">
-                <a16:creationId xmlns:a16="http://schemas.microsoft.com/office/drawing/2014/main" xmlns="" id="{A2C9AEFD-821E-4672-984C-64C05D5349C9}"/>
+                <a16:creationId xmlns="" xmlns:a16="http://schemas.microsoft.com/office/drawing/2014/main" id="{A2C9AEFD-821E-4672-984C-64C05D5349C9}"/>
               </a:ext>
             </a:extLst>
           </p:cNvPr>
@@ -9992,7 +9992,7 @@
           <p:cNvPr id="60" name="テキスト ボックス 59">
             <a:extLst>
               <a:ext uri="{FF2B5EF4-FFF2-40B4-BE49-F238E27FC236}">
-                <a16:creationId xmlns:a16="http://schemas.microsoft.com/office/drawing/2014/main" xmlns="" id="{6365DE5E-F371-4465-BFA9-AFA324718333}"/>
+                <a16:creationId xmlns="" xmlns:a16="http://schemas.microsoft.com/office/drawing/2014/main" id="{6365DE5E-F371-4465-BFA9-AFA324718333}"/>
               </a:ext>
             </a:extLst>
           </p:cNvPr>
@@ -10028,7 +10028,7 @@
           <p:cNvPr id="61" name="テキスト ボックス 60">
             <a:extLst>
               <a:ext uri="{FF2B5EF4-FFF2-40B4-BE49-F238E27FC236}">
-                <a16:creationId xmlns:a16="http://schemas.microsoft.com/office/drawing/2014/main" xmlns="" id="{1C2CBFB5-CD80-406E-9190-328A620DA83C}"/>
+                <a16:creationId xmlns="" xmlns:a16="http://schemas.microsoft.com/office/drawing/2014/main" id="{1C2CBFB5-CD80-406E-9190-328A620DA83C}"/>
               </a:ext>
             </a:extLst>
           </p:cNvPr>
@@ -10064,7 +10064,7 @@
           <p:cNvPr id="62" name="テキスト ボックス 61">
             <a:extLst>
               <a:ext uri="{FF2B5EF4-FFF2-40B4-BE49-F238E27FC236}">
-                <a16:creationId xmlns:a16="http://schemas.microsoft.com/office/drawing/2014/main" xmlns="" id="{8631BC66-4CC9-4508-92C6-F3BB4BA68936}"/>
+                <a16:creationId xmlns="" xmlns:a16="http://schemas.microsoft.com/office/drawing/2014/main" id="{8631BC66-4CC9-4508-92C6-F3BB4BA68936}"/>
               </a:ext>
             </a:extLst>
           </p:cNvPr>
@@ -10100,7 +10100,7 @@
           <p:cNvPr id="63" name="テキスト ボックス 62">
             <a:extLst>
               <a:ext uri="{FF2B5EF4-FFF2-40B4-BE49-F238E27FC236}">
-                <a16:creationId xmlns:a16="http://schemas.microsoft.com/office/drawing/2014/main" xmlns="" id="{57728D6B-C7B4-496D-9AC8-36243523720E}"/>
+                <a16:creationId xmlns="" xmlns:a16="http://schemas.microsoft.com/office/drawing/2014/main" id="{57728D6B-C7B4-496D-9AC8-36243523720E}"/>
               </a:ext>
             </a:extLst>
           </p:cNvPr>
@@ -10136,7 +10136,7 @@
           <p:cNvPr id="76" name="テキスト ボックス 75">
             <a:extLst>
               <a:ext uri="{FF2B5EF4-FFF2-40B4-BE49-F238E27FC236}">
-                <a16:creationId xmlns:a16="http://schemas.microsoft.com/office/drawing/2014/main" xmlns="" id="{6D709A13-6AAF-442E-AD6F-978BDC42B238}"/>
+                <a16:creationId xmlns="" xmlns:a16="http://schemas.microsoft.com/office/drawing/2014/main" id="{6D709A13-6AAF-442E-AD6F-978BDC42B238}"/>
               </a:ext>
             </a:extLst>
           </p:cNvPr>
@@ -10173,7 +10173,7 @@
           <p:cNvPr id="77" name="テキスト ボックス 76">
             <a:extLst>
               <a:ext uri="{FF2B5EF4-FFF2-40B4-BE49-F238E27FC236}">
-                <a16:creationId xmlns:a16="http://schemas.microsoft.com/office/drawing/2014/main" xmlns="" id="{E46AA441-1BC0-4FEE-95A1-68A90D268E58}"/>
+                <a16:creationId xmlns="" xmlns:a16="http://schemas.microsoft.com/office/drawing/2014/main" id="{E46AA441-1BC0-4FEE-95A1-68A90D268E58}"/>
               </a:ext>
             </a:extLst>
           </p:cNvPr>
@@ -10205,14 +10205,14 @@
           </a:p>
         </p:txBody>
       </p:sp>
-      <mc:AlternateContent xmlns:mc="http://schemas.openxmlformats.org/markup-compatibility/2006">
-        <mc:Choice xmlns:a14="http://schemas.microsoft.com/office/drawing/2010/main" Requires="a14">
+      <mc:AlternateContent xmlns:mc="http://schemas.openxmlformats.org/markup-compatibility/2006" xmlns:a14="http://schemas.microsoft.com/office/drawing/2010/main">
+        <mc:Choice Requires="a14">
           <p:graphicFrame>
             <p:nvGraphicFramePr>
               <p:cNvPr id="78" name="表 77">
                 <a:extLst>
                   <a:ext uri="{FF2B5EF4-FFF2-40B4-BE49-F238E27FC236}">
-                    <a16:creationId xmlns:a16="http://schemas.microsoft.com/office/drawing/2014/main" xmlns="" id="{D8870D03-17BD-4F1C-9875-C993B96049F6}"/>
+                    <a16:creationId xmlns="" xmlns:a16="http://schemas.microsoft.com/office/drawing/2014/main" id="{D8870D03-17BD-4F1C-9875-C993B96049F6}"/>
                   </a:ext>
                 </a:extLst>
               </p:cNvPr>
@@ -10241,7 +10241,7 @@
                     <a:gridCol w="3335476">
                       <a:extLst>
                         <a:ext uri="{9D8B030D-6E8A-4147-A177-3AD203B41FA5}">
-                          <a16:colId xmlns:a16="http://schemas.microsoft.com/office/drawing/2014/main" xmlns="" val="4257854261"/>
+                          <a16:colId xmlns="" xmlns:a16="http://schemas.microsoft.com/office/drawing/2014/main" val="4257854261"/>
                         </a:ext>
                       </a:extLst>
                     </a:gridCol>
@@ -10262,7 +10262,7 @@
                     </a:tc>
                     <a:extLst>
                       <a:ext uri="{0D108BD9-81ED-4DB2-BD59-A6C34878D82A}">
-                        <a16:rowId xmlns:a16="http://schemas.microsoft.com/office/drawing/2014/main" xmlns="" val="2658307080"/>
+                        <a16:rowId xmlns="" xmlns:a16="http://schemas.microsoft.com/office/drawing/2014/main" val="2658307080"/>
                       </a:ext>
                     </a:extLst>
                   </a:tr>
@@ -10817,7 +10817,7 @@
                     </a:tc>
                     <a:extLst>
                       <a:ext uri="{0D108BD9-81ED-4DB2-BD59-A6C34878D82A}">
-                        <a16:rowId xmlns:a16="http://schemas.microsoft.com/office/drawing/2014/main" xmlns="" val="4079606163"/>
+                        <a16:rowId xmlns="" xmlns:a16="http://schemas.microsoft.com/office/drawing/2014/main" val="4079606163"/>
                       </a:ext>
                     </a:extLst>
                   </a:tr>
@@ -10826,7 +10826,7 @@
             </a:graphic>
           </p:graphicFrame>
         </mc:Choice>
-        <mc:Fallback>
+        <mc:Fallback xmlns="">
           <p:graphicFrame>
             <p:nvGraphicFramePr>
               <p:cNvPr id="78" name="表 77">
@@ -10921,7 +10921,7 @@
           <p:cNvPr id="35" name="テキスト ボックス 34">
             <a:extLst>
               <a:ext uri="{FF2B5EF4-FFF2-40B4-BE49-F238E27FC236}">
-                <a16:creationId xmlns:a16="http://schemas.microsoft.com/office/drawing/2014/main" xmlns="" id="{F50E2D2A-6BE4-4D10-8534-72BD6B251F11}"/>
+                <a16:creationId xmlns="" xmlns:a16="http://schemas.microsoft.com/office/drawing/2014/main" id="{F50E2D2A-6BE4-4D10-8534-72BD6B251F11}"/>
               </a:ext>
             </a:extLst>
           </p:cNvPr>
@@ -11003,7 +11003,7 @@
           <p:cNvPr id="36" name="テキスト ボックス 35">
             <a:extLst>
               <a:ext uri="{FF2B5EF4-FFF2-40B4-BE49-F238E27FC236}">
-                <a16:creationId xmlns:a16="http://schemas.microsoft.com/office/drawing/2014/main" xmlns="" id="{80A10177-E7F9-4926-BE64-4C9FF4A4E8D9}"/>
+                <a16:creationId xmlns="" xmlns:a16="http://schemas.microsoft.com/office/drawing/2014/main" id="{80A10177-E7F9-4926-BE64-4C9FF4A4E8D9}"/>
               </a:ext>
             </a:extLst>
           </p:cNvPr>
@@ -11042,7 +11042,7 @@
           <p:cNvPr id="4" name="図 3">
             <a:extLst>
               <a:ext uri="{FF2B5EF4-FFF2-40B4-BE49-F238E27FC236}">
-                <a16:creationId xmlns:a16="http://schemas.microsoft.com/office/drawing/2014/main" xmlns="" id="{94C77BC2-AE40-4EF0-81CC-7C421573D762}"/>
+                <a16:creationId xmlns="" xmlns:a16="http://schemas.microsoft.com/office/drawing/2014/main" id="{94C77BC2-AE40-4EF0-81CC-7C421573D762}"/>
               </a:ext>
             </a:extLst>
           </p:cNvPr>
@@ -11089,7 +11089,7 @@
           <p:cNvPr id="12" name="直線矢印コネクタ 11">
             <a:extLst>
               <a:ext uri="{FF2B5EF4-FFF2-40B4-BE49-F238E27FC236}">
-                <a16:creationId xmlns:a16="http://schemas.microsoft.com/office/drawing/2014/main" xmlns="" id="{B224E947-D0C6-4ABF-B406-1095292D243E}"/>
+                <a16:creationId xmlns="" xmlns:a16="http://schemas.microsoft.com/office/drawing/2014/main" id="{B224E947-D0C6-4ABF-B406-1095292D243E}"/>
               </a:ext>
             </a:extLst>
           </p:cNvPr>
@@ -11137,7 +11137,7 @@
           <p:cNvPr id="28" name="テキスト ボックス 27">
             <a:extLst>
               <a:ext uri="{FF2B5EF4-FFF2-40B4-BE49-F238E27FC236}">
-                <a16:creationId xmlns:a16="http://schemas.microsoft.com/office/drawing/2014/main" xmlns="" id="{994C079B-21F4-44C9-999E-02E7DCCDD12E}"/>
+                <a16:creationId xmlns="" xmlns:a16="http://schemas.microsoft.com/office/drawing/2014/main" id="{994C079B-21F4-44C9-999E-02E7DCCDD12E}"/>
               </a:ext>
             </a:extLst>
           </p:cNvPr>
@@ -11169,7 +11169,7 @@
           <p:cNvPr id="29" name="テキスト ボックス 28">
             <a:extLst>
               <a:ext uri="{FF2B5EF4-FFF2-40B4-BE49-F238E27FC236}">
-                <a16:creationId xmlns:a16="http://schemas.microsoft.com/office/drawing/2014/main" xmlns="" id="{F2364D31-DAEA-48BD-980F-592EFBE076E2}"/>
+                <a16:creationId xmlns="" xmlns:a16="http://schemas.microsoft.com/office/drawing/2014/main" id="{F2364D31-DAEA-48BD-980F-592EFBE076E2}"/>
               </a:ext>
             </a:extLst>
           </p:cNvPr>
@@ -11201,7 +11201,7 @@
           <p:cNvPr id="66" name="直線矢印コネクタ 65">
             <a:extLst>
               <a:ext uri="{FF2B5EF4-FFF2-40B4-BE49-F238E27FC236}">
-                <a16:creationId xmlns:a16="http://schemas.microsoft.com/office/drawing/2014/main" xmlns="" id="{75B95454-F7F2-431B-92D2-1DF48CD3EC9F}"/>
+                <a16:creationId xmlns="" xmlns:a16="http://schemas.microsoft.com/office/drawing/2014/main" id="{75B95454-F7F2-431B-92D2-1DF48CD3EC9F}"/>
               </a:ext>
             </a:extLst>
           </p:cNvPr>
@@ -11249,7 +11249,7 @@
           <p:cNvPr id="17" name="直線コネクタ 16">
             <a:extLst>
               <a:ext uri="{FF2B5EF4-FFF2-40B4-BE49-F238E27FC236}">
-                <a16:creationId xmlns:a16="http://schemas.microsoft.com/office/drawing/2014/main" xmlns="" id="{3E9840AF-FE4A-49CE-9515-87A9726F5C74}"/>
+                <a16:creationId xmlns="" xmlns:a16="http://schemas.microsoft.com/office/drawing/2014/main" id="{3E9840AF-FE4A-49CE-9515-87A9726F5C74}"/>
               </a:ext>
             </a:extLst>
           </p:cNvPr>
@@ -11302,7 +11302,7 @@
           <p:cNvPr id="49" name="直線コネクタ 48">
             <a:extLst>
               <a:ext uri="{FF2B5EF4-FFF2-40B4-BE49-F238E27FC236}">
-                <a16:creationId xmlns:a16="http://schemas.microsoft.com/office/drawing/2014/main" xmlns="" id="{FFAEDAF9-EC1D-427D-B3F1-44813A66AE1B}"/>
+                <a16:creationId xmlns="" xmlns:a16="http://schemas.microsoft.com/office/drawing/2014/main" id="{FFAEDAF9-EC1D-427D-B3F1-44813A66AE1B}"/>
               </a:ext>
             </a:extLst>
           </p:cNvPr>
@@ -11355,7 +11355,7 @@
           <p:cNvPr id="30" name="アーチ 29">
             <a:extLst>
               <a:ext uri="{FF2B5EF4-FFF2-40B4-BE49-F238E27FC236}">
-                <a16:creationId xmlns:a16="http://schemas.microsoft.com/office/drawing/2014/main" xmlns="" id="{3594749B-9E3C-4D06-97BD-F06E15C8144F}"/>
+                <a16:creationId xmlns="" xmlns:a16="http://schemas.microsoft.com/office/drawing/2014/main" id="{3594749B-9E3C-4D06-97BD-F06E15C8144F}"/>
               </a:ext>
             </a:extLst>
           </p:cNvPr>
@@ -11423,7 +11423,7 @@
           <p:cNvPr id="69" name="アーチ 68">
             <a:extLst>
               <a:ext uri="{FF2B5EF4-FFF2-40B4-BE49-F238E27FC236}">
-                <a16:creationId xmlns:a16="http://schemas.microsoft.com/office/drawing/2014/main" xmlns="" id="{6838912E-9057-4A2A-BDE3-6B477D36E3F6}"/>
+                <a16:creationId xmlns="" xmlns:a16="http://schemas.microsoft.com/office/drawing/2014/main" id="{6838912E-9057-4A2A-BDE3-6B477D36E3F6}"/>
               </a:ext>
             </a:extLst>
           </p:cNvPr>
@@ -11479,7 +11479,7 @@
               <p:cNvPr id="34" name="正方形/長方形 33">
                 <a:extLst>
                   <a:ext uri="{FF2B5EF4-FFF2-40B4-BE49-F238E27FC236}">
-                    <a16:creationId xmlns:a16="http://schemas.microsoft.com/office/drawing/2014/main" xmlns="" id="{479E6BF4-DC65-472B-98A3-9C6B4BD99DE5}"/>
+                    <a16:creationId xmlns="" xmlns:a16="http://schemas.microsoft.com/office/drawing/2014/main" id="{479E6BF4-DC65-472B-98A3-9C6B4BD99DE5}"/>
                   </a:ext>
                 </a:extLst>
               </p:cNvPr>
@@ -11632,7 +11632,7 @@
           <p:cNvPr id="70" name="二等辺三角形 69">
             <a:extLst>
               <a:ext uri="{FF2B5EF4-FFF2-40B4-BE49-F238E27FC236}">
-                <a16:creationId xmlns:a16="http://schemas.microsoft.com/office/drawing/2014/main" xmlns="" id="{6A380BDF-CE2C-4017-9FBB-FC23849E4B11}"/>
+                <a16:creationId xmlns="" xmlns:a16="http://schemas.microsoft.com/office/drawing/2014/main" id="{6A380BDF-CE2C-4017-9FBB-FC23849E4B11}"/>
               </a:ext>
             </a:extLst>
           </p:cNvPr>
@@ -11698,7 +11698,7 @@
               <p:cNvPr id="71" name="正方形/長方形 70">
                 <a:extLst>
                   <a:ext uri="{FF2B5EF4-FFF2-40B4-BE49-F238E27FC236}">
-                    <a16:creationId xmlns:a16="http://schemas.microsoft.com/office/drawing/2014/main" xmlns="" id="{E484752A-DD4F-47CA-ACAB-3F7052F3E627}"/>
+                    <a16:creationId xmlns="" xmlns:a16="http://schemas.microsoft.com/office/drawing/2014/main" id="{E484752A-DD4F-47CA-ACAB-3F7052F3E627}"/>
                   </a:ext>
                 </a:extLst>
               </p:cNvPr>
@@ -11812,7 +11812,7 @@
           <p:cNvPr id="31" name="二等辺三角形 30">
             <a:extLst>
               <a:ext uri="{FF2B5EF4-FFF2-40B4-BE49-F238E27FC236}">
-                <a16:creationId xmlns:a16="http://schemas.microsoft.com/office/drawing/2014/main" xmlns="" id="{BBDB4905-A361-49EC-B203-3B5AAE073CD6}"/>
+                <a16:creationId xmlns="" xmlns:a16="http://schemas.microsoft.com/office/drawing/2014/main" id="{BBDB4905-A361-49EC-B203-3B5AAE073CD6}"/>
               </a:ext>
             </a:extLst>
           </p:cNvPr>
@@ -11878,7 +11878,7 @@
               <p:cNvPr id="82" name="テキスト ボックス 81">
                 <a:extLst>
                   <a:ext uri="{FF2B5EF4-FFF2-40B4-BE49-F238E27FC236}">
-                    <a16:creationId xmlns:a16="http://schemas.microsoft.com/office/drawing/2014/main" xmlns="" id="{2C0B3106-A5DC-4832-AEBD-DB7258998DBB}"/>
+                    <a16:creationId xmlns="" xmlns:a16="http://schemas.microsoft.com/office/drawing/2014/main" id="{2C0B3106-A5DC-4832-AEBD-DB7258998DBB}"/>
                   </a:ext>
                 </a:extLst>
               </p:cNvPr>
@@ -12244,7 +12244,7 @@
           <p:cNvPr id="87" name="正方形/長方形 86">
             <a:extLst>
               <a:ext uri="{FF2B5EF4-FFF2-40B4-BE49-F238E27FC236}">
-                <a16:creationId xmlns:a16="http://schemas.microsoft.com/office/drawing/2014/main" xmlns="" id="{C33676BC-3895-41DC-BAD3-3ECF1D481CDF}"/>
+                <a16:creationId xmlns="" xmlns:a16="http://schemas.microsoft.com/office/drawing/2014/main" id="{C33676BC-3895-41DC-BAD3-3ECF1D481CDF}"/>
               </a:ext>
             </a:extLst>
           </p:cNvPr>
@@ -12317,7 +12317,7 @@
               <p:cNvPr id="86" name="正方形/長方形 85">
                 <a:extLst>
                   <a:ext uri="{FF2B5EF4-FFF2-40B4-BE49-F238E27FC236}">
-                    <a16:creationId xmlns:a16="http://schemas.microsoft.com/office/drawing/2014/main" xmlns="" id="{733C53D8-5124-4714-92A7-2EBCB46300C1}"/>
+                    <a16:creationId xmlns="" xmlns:a16="http://schemas.microsoft.com/office/drawing/2014/main" id="{733C53D8-5124-4714-92A7-2EBCB46300C1}"/>
                   </a:ext>
                 </a:extLst>
               </p:cNvPr>
@@ -12472,7 +12472,7 @@
           <p:cNvPr id="88" name="正方形/長方形 87">
             <a:extLst>
               <a:ext uri="{FF2B5EF4-FFF2-40B4-BE49-F238E27FC236}">
-                <a16:creationId xmlns:a16="http://schemas.microsoft.com/office/drawing/2014/main" xmlns="" id="{50025D24-20F1-4647-A2C2-908456F119D1}"/>
+                <a16:creationId xmlns="" xmlns:a16="http://schemas.microsoft.com/office/drawing/2014/main" id="{50025D24-20F1-4647-A2C2-908456F119D1}"/>
               </a:ext>
             </a:extLst>
           </p:cNvPr>
@@ -12545,7 +12545,7 @@
               <p:cNvPr id="89" name="正方形/長方形 88">
                 <a:extLst>
                   <a:ext uri="{FF2B5EF4-FFF2-40B4-BE49-F238E27FC236}">
-                    <a16:creationId xmlns:a16="http://schemas.microsoft.com/office/drawing/2014/main" xmlns="" id="{635CAB8E-8C8D-422C-B180-D929FE84B0D5}"/>
+                    <a16:creationId xmlns="" xmlns:a16="http://schemas.microsoft.com/office/drawing/2014/main" id="{635CAB8E-8C8D-422C-B180-D929FE84B0D5}"/>
                   </a:ext>
                 </a:extLst>
               </p:cNvPr>
@@ -12700,7 +12700,7 @@
           <p:cNvPr id="91" name="正方形/長方形 90">
             <a:extLst>
               <a:ext uri="{FF2B5EF4-FFF2-40B4-BE49-F238E27FC236}">
-                <a16:creationId xmlns:a16="http://schemas.microsoft.com/office/drawing/2014/main" xmlns="" id="{2D83F131-10C0-47EA-9C04-5D8A673C05C0}"/>
+                <a16:creationId xmlns="" xmlns:a16="http://schemas.microsoft.com/office/drawing/2014/main" id="{2D83F131-10C0-47EA-9C04-5D8A673C05C0}"/>
               </a:ext>
             </a:extLst>
           </p:cNvPr>
@@ -12748,7 +12748,7 @@
           <p:cNvPr id="92" name="図 91">
             <a:extLst>
               <a:ext uri="{FF2B5EF4-FFF2-40B4-BE49-F238E27FC236}">
-                <a16:creationId xmlns:a16="http://schemas.microsoft.com/office/drawing/2014/main" xmlns="" id="{E0E8D75D-BB35-4248-A4CF-8B3673166989}"/>
+                <a16:creationId xmlns="" xmlns:a16="http://schemas.microsoft.com/office/drawing/2014/main" id="{E0E8D75D-BB35-4248-A4CF-8B3673166989}"/>
               </a:ext>
             </a:extLst>
           </p:cNvPr>
@@ -12795,7 +12795,7 @@
           <p:cNvPr id="94" name="直線矢印コネクタ 93">
             <a:extLst>
               <a:ext uri="{FF2B5EF4-FFF2-40B4-BE49-F238E27FC236}">
-                <a16:creationId xmlns:a16="http://schemas.microsoft.com/office/drawing/2014/main" xmlns="" id="{E531ECA8-559E-4710-9392-A59BF23BF600}"/>
+                <a16:creationId xmlns="" xmlns:a16="http://schemas.microsoft.com/office/drawing/2014/main" id="{E531ECA8-559E-4710-9392-A59BF23BF600}"/>
               </a:ext>
             </a:extLst>
           </p:cNvPr>
@@ -12843,7 +12843,7 @@
           <p:cNvPr id="103" name="テキスト ボックス 102">
             <a:extLst>
               <a:ext uri="{FF2B5EF4-FFF2-40B4-BE49-F238E27FC236}">
-                <a16:creationId xmlns:a16="http://schemas.microsoft.com/office/drawing/2014/main" xmlns="" id="{7FD33B6C-2C7A-46EF-88D1-D790D6665B54}"/>
+                <a16:creationId xmlns="" xmlns:a16="http://schemas.microsoft.com/office/drawing/2014/main" id="{7FD33B6C-2C7A-46EF-88D1-D790D6665B54}"/>
               </a:ext>
             </a:extLst>
           </p:cNvPr>
@@ -12906,7 +12906,7 @@
           <p:cNvPr id="104" name="正方形/長方形 103">
             <a:extLst>
               <a:ext uri="{FF2B5EF4-FFF2-40B4-BE49-F238E27FC236}">
-                <a16:creationId xmlns:a16="http://schemas.microsoft.com/office/drawing/2014/main" xmlns="" id="{152DC122-6CC8-4781-A703-E4BEBEF3F0B6}"/>
+                <a16:creationId xmlns="" xmlns:a16="http://schemas.microsoft.com/office/drawing/2014/main" id="{152DC122-6CC8-4781-A703-E4BEBEF3F0B6}"/>
               </a:ext>
             </a:extLst>
           </p:cNvPr>
@@ -12979,7 +12979,7 @@
               <p:cNvPr id="105" name="正方形/長方形 104">
                 <a:extLst>
                   <a:ext uri="{FF2B5EF4-FFF2-40B4-BE49-F238E27FC236}">
-                    <a16:creationId xmlns:a16="http://schemas.microsoft.com/office/drawing/2014/main" xmlns="" id="{94DA5EA6-AB92-4E16-B5C6-A77707F3C6BC}"/>
+                    <a16:creationId xmlns="" xmlns:a16="http://schemas.microsoft.com/office/drawing/2014/main" id="{94DA5EA6-AB92-4E16-B5C6-A77707F3C6BC}"/>
                   </a:ext>
                 </a:extLst>
               </p:cNvPr>
@@ -13134,7 +13134,7 @@
           <p:cNvPr id="110" name="直線矢印コネクタ 109">
             <a:extLst>
               <a:ext uri="{FF2B5EF4-FFF2-40B4-BE49-F238E27FC236}">
-                <a16:creationId xmlns:a16="http://schemas.microsoft.com/office/drawing/2014/main" xmlns="" id="{3FF1180F-F897-4B6C-8283-0CDAB3551F86}"/>
+                <a16:creationId xmlns="" xmlns:a16="http://schemas.microsoft.com/office/drawing/2014/main" id="{3FF1180F-F897-4B6C-8283-0CDAB3551F86}"/>
               </a:ext>
             </a:extLst>
           </p:cNvPr>
@@ -13182,7 +13182,7 @@
           <p:cNvPr id="111" name="直線矢印コネクタ 110">
             <a:extLst>
               <a:ext uri="{FF2B5EF4-FFF2-40B4-BE49-F238E27FC236}">
-                <a16:creationId xmlns:a16="http://schemas.microsoft.com/office/drawing/2014/main" xmlns="" id="{0C85D743-74D1-4E23-8E7B-40BB45BBFB24}"/>
+                <a16:creationId xmlns="" xmlns:a16="http://schemas.microsoft.com/office/drawing/2014/main" id="{0C85D743-74D1-4E23-8E7B-40BB45BBFB24}"/>
               </a:ext>
             </a:extLst>
           </p:cNvPr>
@@ -13230,7 +13230,7 @@
           <p:cNvPr id="112" name="直線コネクタ 111">
             <a:extLst>
               <a:ext uri="{FF2B5EF4-FFF2-40B4-BE49-F238E27FC236}">
-                <a16:creationId xmlns:a16="http://schemas.microsoft.com/office/drawing/2014/main" xmlns="" id="{80320F48-0580-4151-94D8-C66CBC812DBA}"/>
+                <a16:creationId xmlns="" xmlns:a16="http://schemas.microsoft.com/office/drawing/2014/main" id="{80320F48-0580-4151-94D8-C66CBC812DBA}"/>
               </a:ext>
             </a:extLst>
           </p:cNvPr>
@@ -13283,7 +13283,7 @@
           <p:cNvPr id="113" name="直線コネクタ 112">
             <a:extLst>
               <a:ext uri="{FF2B5EF4-FFF2-40B4-BE49-F238E27FC236}">
-                <a16:creationId xmlns:a16="http://schemas.microsoft.com/office/drawing/2014/main" xmlns="" id="{619E0E60-74FC-448A-B18B-0A2D26650342}"/>
+                <a16:creationId xmlns="" xmlns:a16="http://schemas.microsoft.com/office/drawing/2014/main" id="{619E0E60-74FC-448A-B18B-0A2D26650342}"/>
               </a:ext>
             </a:extLst>
           </p:cNvPr>
@@ -13336,7 +13336,7 @@
           <p:cNvPr id="114" name="アーチ 113">
             <a:extLst>
               <a:ext uri="{FF2B5EF4-FFF2-40B4-BE49-F238E27FC236}">
-                <a16:creationId xmlns:a16="http://schemas.microsoft.com/office/drawing/2014/main" xmlns="" id="{905B48A5-BA46-4EA5-A688-542BC9CDF32B}"/>
+                <a16:creationId xmlns="" xmlns:a16="http://schemas.microsoft.com/office/drawing/2014/main" id="{905B48A5-BA46-4EA5-A688-542BC9CDF32B}"/>
               </a:ext>
             </a:extLst>
           </p:cNvPr>
@@ -13404,7 +13404,7 @@
           <p:cNvPr id="121" name="正方形/長方形 120">
             <a:extLst>
               <a:ext uri="{FF2B5EF4-FFF2-40B4-BE49-F238E27FC236}">
-                <a16:creationId xmlns:a16="http://schemas.microsoft.com/office/drawing/2014/main" xmlns="" id="{083DDE67-DF3B-4FA5-BD64-D66CC8D47DE1}"/>
+                <a16:creationId xmlns="" xmlns:a16="http://schemas.microsoft.com/office/drawing/2014/main" id="{083DDE67-DF3B-4FA5-BD64-D66CC8D47DE1}"/>
               </a:ext>
             </a:extLst>
           </p:cNvPr>
@@ -13475,7 +13475,7 @@
           <p:cNvPr id="115" name="アーチ 114">
             <a:extLst>
               <a:ext uri="{FF2B5EF4-FFF2-40B4-BE49-F238E27FC236}">
-                <a16:creationId xmlns:a16="http://schemas.microsoft.com/office/drawing/2014/main" xmlns="" id="{629B5DA3-8DA6-4E27-BEB2-4ED04114D8D9}"/>
+                <a16:creationId xmlns="" xmlns:a16="http://schemas.microsoft.com/office/drawing/2014/main" id="{629B5DA3-8DA6-4E27-BEB2-4ED04114D8D9}"/>
               </a:ext>
             </a:extLst>
           </p:cNvPr>
@@ -13541,7 +13541,7 @@
               <p:cNvPr id="116" name="正方形/長方形 115">
                 <a:extLst>
                   <a:ext uri="{FF2B5EF4-FFF2-40B4-BE49-F238E27FC236}">
-                    <a16:creationId xmlns:a16="http://schemas.microsoft.com/office/drawing/2014/main" xmlns="" id="{43DE9EC5-7FDF-4BB7-8D42-7AA2F47CD76D}"/>
+                    <a16:creationId xmlns="" xmlns:a16="http://schemas.microsoft.com/office/drawing/2014/main" id="{43DE9EC5-7FDF-4BB7-8D42-7AA2F47CD76D}"/>
                   </a:ext>
                 </a:extLst>
               </p:cNvPr>
@@ -13694,7 +13694,7 @@
           <p:cNvPr id="117" name="二等辺三角形 116">
             <a:extLst>
               <a:ext uri="{FF2B5EF4-FFF2-40B4-BE49-F238E27FC236}">
-                <a16:creationId xmlns:a16="http://schemas.microsoft.com/office/drawing/2014/main" xmlns="" id="{C67A7D6C-BAA2-4F68-8DBB-FA9599327E5F}"/>
+                <a16:creationId xmlns="" xmlns:a16="http://schemas.microsoft.com/office/drawing/2014/main" id="{C67A7D6C-BAA2-4F68-8DBB-FA9599327E5F}"/>
               </a:ext>
             </a:extLst>
           </p:cNvPr>
@@ -13760,7 +13760,7 @@
               <p:cNvPr id="118" name="正方形/長方形 117">
                 <a:extLst>
                   <a:ext uri="{FF2B5EF4-FFF2-40B4-BE49-F238E27FC236}">
-                    <a16:creationId xmlns:a16="http://schemas.microsoft.com/office/drawing/2014/main" xmlns="" id="{C4C68988-093E-4D2A-87D4-35374120BDA5}"/>
+                    <a16:creationId xmlns="" xmlns:a16="http://schemas.microsoft.com/office/drawing/2014/main" id="{C4C68988-093E-4D2A-87D4-35374120BDA5}"/>
                   </a:ext>
                 </a:extLst>
               </p:cNvPr>
@@ -13874,7 +13874,7 @@
           <p:cNvPr id="119" name="二等辺三角形 118">
             <a:extLst>
               <a:ext uri="{FF2B5EF4-FFF2-40B4-BE49-F238E27FC236}">
-                <a16:creationId xmlns:a16="http://schemas.microsoft.com/office/drawing/2014/main" xmlns="" id="{6AA07F3D-A85C-479A-8496-8D045ADAF755}"/>
+                <a16:creationId xmlns="" xmlns:a16="http://schemas.microsoft.com/office/drawing/2014/main" id="{6AA07F3D-A85C-479A-8496-8D045ADAF755}"/>
               </a:ext>
             </a:extLst>
           </p:cNvPr>
@@ -13940,7 +13940,7 @@
               <p:cNvPr id="120" name="テキスト ボックス 119">
                 <a:extLst>
                   <a:ext uri="{FF2B5EF4-FFF2-40B4-BE49-F238E27FC236}">
-                    <a16:creationId xmlns:a16="http://schemas.microsoft.com/office/drawing/2014/main" xmlns="" id="{A0976309-AD7A-46A7-9682-55A33B77C423}"/>
+                    <a16:creationId xmlns="" xmlns:a16="http://schemas.microsoft.com/office/drawing/2014/main" id="{A0976309-AD7A-46A7-9682-55A33B77C423}"/>
                   </a:ext>
                 </a:extLst>
               </p:cNvPr>
@@ -14132,7 +14132,7 @@
               <p:cNvPr id="122" name="正方形/長方形 121">
                 <a:extLst>
                   <a:ext uri="{FF2B5EF4-FFF2-40B4-BE49-F238E27FC236}">
-                    <a16:creationId xmlns:a16="http://schemas.microsoft.com/office/drawing/2014/main" xmlns="" id="{628DE7CA-28AA-4274-82D9-2F86F236B396}"/>
+                    <a16:creationId xmlns="" xmlns:a16="http://schemas.microsoft.com/office/drawing/2014/main" id="{628DE7CA-28AA-4274-82D9-2F86F236B396}"/>
                   </a:ext>
                 </a:extLst>
               </p:cNvPr>
@@ -14289,7 +14289,7 @@
               <p:cNvPr id="10" name="表 9">
                 <a:extLst>
                   <a:ext uri="{FF2B5EF4-FFF2-40B4-BE49-F238E27FC236}">
-                    <a16:creationId xmlns:a16="http://schemas.microsoft.com/office/drawing/2014/main" xmlns="" id="{6063F000-0F8F-4FAC-9381-B5A5CC415F33}"/>
+                    <a16:creationId xmlns="" xmlns:a16="http://schemas.microsoft.com/office/drawing/2014/main" id="{6063F000-0F8F-4FAC-9381-B5A5CC415F33}"/>
                   </a:ext>
                 </a:extLst>
               </p:cNvPr>
@@ -14318,28 +14318,28 @@
                     <a:gridCol w="710050">
                       <a:extLst>
                         <a:ext uri="{9D8B030D-6E8A-4147-A177-3AD203B41FA5}">
-                          <a16:colId xmlns:a16="http://schemas.microsoft.com/office/drawing/2014/main" xmlns="" val="1136744987"/>
+                          <a16:colId xmlns="" xmlns:a16="http://schemas.microsoft.com/office/drawing/2014/main" val="1136744987"/>
                         </a:ext>
                       </a:extLst>
                     </a:gridCol>
                     <a:gridCol w="1239984">
                       <a:extLst>
                         <a:ext uri="{9D8B030D-6E8A-4147-A177-3AD203B41FA5}">
-                          <a16:colId xmlns:a16="http://schemas.microsoft.com/office/drawing/2014/main" xmlns="" val="4235200062"/>
+                          <a16:colId xmlns="" xmlns:a16="http://schemas.microsoft.com/office/drawing/2014/main" val="4235200062"/>
                         </a:ext>
                       </a:extLst>
                     </a:gridCol>
                     <a:gridCol w="656462">
                       <a:extLst>
                         <a:ext uri="{9D8B030D-6E8A-4147-A177-3AD203B41FA5}">
-                          <a16:colId xmlns:a16="http://schemas.microsoft.com/office/drawing/2014/main" xmlns="" val="988555977"/>
+                          <a16:colId xmlns="" xmlns:a16="http://schemas.microsoft.com/office/drawing/2014/main" val="988555977"/>
                         </a:ext>
                       </a:extLst>
                     </a:gridCol>
                     <a:gridCol w="4522294">
                       <a:extLst>
                         <a:ext uri="{9D8B030D-6E8A-4147-A177-3AD203B41FA5}">
-                          <a16:colId xmlns:a16="http://schemas.microsoft.com/office/drawing/2014/main" xmlns="" val="1845107624"/>
+                          <a16:colId xmlns="" xmlns:a16="http://schemas.microsoft.com/office/drawing/2014/main" val="1845107624"/>
                         </a:ext>
                       </a:extLst>
                     </a:gridCol>
@@ -14399,7 +14399,7 @@
                     </a:tc>
                     <a:extLst>
                       <a:ext uri="{0D108BD9-81ED-4DB2-BD59-A6C34878D82A}">
-                        <a16:rowId xmlns:a16="http://schemas.microsoft.com/office/drawing/2014/main" xmlns="" val="1812608564"/>
+                        <a16:rowId xmlns="" xmlns:a16="http://schemas.microsoft.com/office/drawing/2014/main" val="1812608564"/>
                       </a:ext>
                     </a:extLst>
                   </a:tr>
@@ -14472,7 +14472,7 @@
                     </a:tc>
                     <a:extLst>
                       <a:ext uri="{0D108BD9-81ED-4DB2-BD59-A6C34878D82A}">
-                        <a16:rowId xmlns:a16="http://schemas.microsoft.com/office/drawing/2014/main" xmlns="" val="2853552124"/>
+                        <a16:rowId xmlns="" xmlns:a16="http://schemas.microsoft.com/office/drawing/2014/main" val="2853552124"/>
                       </a:ext>
                     </a:extLst>
                   </a:tr>
@@ -14545,7 +14545,7 @@
                     </a:tc>
                     <a:extLst>
                       <a:ext uri="{0D108BD9-81ED-4DB2-BD59-A6C34878D82A}">
-                        <a16:rowId xmlns:a16="http://schemas.microsoft.com/office/drawing/2014/main" xmlns="" val="2785974895"/>
+                        <a16:rowId xmlns="" xmlns:a16="http://schemas.microsoft.com/office/drawing/2014/main" val="2785974895"/>
                       </a:ext>
                     </a:extLst>
                   </a:tr>
@@ -14642,7 +14642,7 @@
                     </a:tc>
                     <a:extLst>
                       <a:ext uri="{0D108BD9-81ED-4DB2-BD59-A6C34878D82A}">
-                        <a16:rowId xmlns:a16="http://schemas.microsoft.com/office/drawing/2014/main" xmlns="" val="2068161966"/>
+                        <a16:rowId xmlns="" xmlns:a16="http://schemas.microsoft.com/office/drawing/2014/main" val="2068161966"/>
                       </a:ext>
                     </a:extLst>
                   </a:tr>
@@ -14714,7 +14714,7 @@
                     </a:tc>
                     <a:extLst>
                       <a:ext uri="{0D108BD9-81ED-4DB2-BD59-A6C34878D82A}">
-                        <a16:rowId xmlns:a16="http://schemas.microsoft.com/office/drawing/2014/main" xmlns="" val="3386441986"/>
+                        <a16:rowId xmlns="" xmlns:a16="http://schemas.microsoft.com/office/drawing/2014/main" val="3386441986"/>
                       </a:ext>
                     </a:extLst>
                   </a:tr>
@@ -15109,7 +15109,7 @@
           <p:cNvPr id="80" name="四角形: 角を丸くする 79">
             <a:extLst>
               <a:ext uri="{FF2B5EF4-FFF2-40B4-BE49-F238E27FC236}">
-                <a16:creationId xmlns:a16="http://schemas.microsoft.com/office/drawing/2014/main" xmlns="" id="{0A877FEA-35CE-4ECB-BBD0-0F73433A6064}"/>
+                <a16:creationId xmlns="" xmlns:a16="http://schemas.microsoft.com/office/drawing/2014/main" id="{0A877FEA-35CE-4ECB-BBD0-0F73433A6064}"/>
               </a:ext>
             </a:extLst>
           </p:cNvPr>
@@ -15222,7 +15222,7 @@
           <p:cNvPr id="3" name="テキスト ボックス 2">
             <a:extLst>
               <a:ext uri="{FF2B5EF4-FFF2-40B4-BE49-F238E27FC236}">
-                <a16:creationId xmlns:a16="http://schemas.microsoft.com/office/drawing/2014/main" xmlns="" id="{F3510B9D-E6E3-4FC9-AEBA-06E4F9280F4A}"/>
+                <a16:creationId xmlns="" xmlns:a16="http://schemas.microsoft.com/office/drawing/2014/main" id="{F3510B9D-E6E3-4FC9-AEBA-06E4F9280F4A}"/>
               </a:ext>
             </a:extLst>
           </p:cNvPr>
@@ -15254,7 +15254,7 @@
           <p:cNvPr id="11" name="直線コネクタ 10">
             <a:extLst>
               <a:ext uri="{FF2B5EF4-FFF2-40B4-BE49-F238E27FC236}">
-                <a16:creationId xmlns:a16="http://schemas.microsoft.com/office/drawing/2014/main" xmlns="" id="{8BD6BDDE-530A-404B-AF4E-6E668A8AFB65}"/>
+                <a16:creationId xmlns="" xmlns:a16="http://schemas.microsoft.com/office/drawing/2014/main" id="{8BD6BDDE-530A-404B-AF4E-6E668A8AFB65}"/>
               </a:ext>
             </a:extLst>
           </p:cNvPr>
@@ -15299,7 +15299,7 @@
           <p:cNvPr id="14" name="直線コネクタ 13">
             <a:extLst>
               <a:ext uri="{FF2B5EF4-FFF2-40B4-BE49-F238E27FC236}">
-                <a16:creationId xmlns:a16="http://schemas.microsoft.com/office/drawing/2014/main" xmlns="" id="{D5916903-2BB4-4265-B288-CD9B2E876214}"/>
+                <a16:creationId xmlns="" xmlns:a16="http://schemas.microsoft.com/office/drawing/2014/main" id="{D5916903-2BB4-4265-B288-CD9B2E876214}"/>
               </a:ext>
             </a:extLst>
           </p:cNvPr>
@@ -15366,12 +15366,51 @@
           <a:chExt cx="0" cy="0"/>
         </a:xfrm>
       </p:grpSpPr>
+      <p:pic>
+        <p:nvPicPr>
+          <p:cNvPr id="1026" name="Picture 2" descr="C:\Users\040553\Documents\ETロボコン\00モデル画像最終\クラス図.emf"/>
+          <p:cNvPicPr>
+            <a:picLocks noChangeAspect="1" noChangeArrowheads="1"/>
+          </p:cNvPicPr>
+          <p:nvPr/>
+        </p:nvPicPr>
+        <p:blipFill rotWithShape="1">
+          <a:blip r:embed="rId2">
+            <a:extLst>
+              <a:ext uri="{28A0092B-C50C-407E-A947-70E740481C1C}">
+                <a14:useLocalDpi xmlns:a14="http://schemas.microsoft.com/office/drawing/2010/main" val="0"/>
+              </a:ext>
+            </a:extLst>
+          </a:blip>
+          <a:srcRect l="2363" t="4880" r="808" b="5291"/>
+          <a:stretch/>
+        </p:blipFill>
+        <p:spPr bwMode="auto">
+          <a:xfrm>
+            <a:off x="82116" y="3185667"/>
+            <a:ext cx="14868000" cy="6791673"/>
+          </a:xfrm>
+          <a:prstGeom prst="rect">
+            <a:avLst/>
+          </a:prstGeom>
+          <a:noFill/>
+          <a:extLst>
+            <a:ext uri="{909E8E84-426E-40DD-AFC4-6F175D3DCCD1}">
+              <a14:hiddenFill xmlns:a14="http://schemas.microsoft.com/office/drawing/2010/main">
+                <a:solidFill>
+                  <a:srgbClr val="FFFFFF"/>
+                </a:solidFill>
+              </a14:hiddenFill>
+            </a:ext>
+          </a:extLst>
+        </p:spPr>
+      </p:pic>
       <p:sp>
         <p:nvSpPr>
           <p:cNvPr id="12" name="四角形: 角を丸くする 2">
             <a:extLst>
               <a:ext uri="{FF2B5EF4-FFF2-40B4-BE49-F238E27FC236}">
-                <a16:creationId xmlns:a16="http://schemas.microsoft.com/office/drawing/2014/main" xmlns="" id="{2B99B1EA-17D2-4495-A343-2A1713BC8495}"/>
+                <a16:creationId xmlns="" xmlns:a16="http://schemas.microsoft.com/office/drawing/2014/main" id="{2B99B1EA-17D2-4495-A343-2A1713BC8495}"/>
               </a:ext>
             </a:extLst>
           </p:cNvPr>
@@ -15423,820 +15462,6 @@
       <p:pic>
         <p:nvPicPr>
           <p:cNvPr id="8" name="Picture 2"/>
-          <p:cNvPicPr>
-            <a:picLocks noChangeAspect="1" noChangeArrowheads="1"/>
-          </p:cNvPicPr>
-          <p:nvPr/>
-        </p:nvPicPr>
-        <p:blipFill>
-          <a:blip r:embed="rId2">
-            <a:extLst>
-              <a:ext uri="{28A0092B-C50C-407E-A947-70E740481C1C}">
-                <a14:useLocalDpi xmlns:a14="http://schemas.microsoft.com/office/drawing/2010/main" val="0"/>
-              </a:ext>
-            </a:extLst>
-          </a:blip>
-          <a:srcRect/>
-          <a:stretch>
-            <a:fillRect/>
-          </a:stretch>
-        </p:blipFill>
-        <p:spPr bwMode="auto">
-          <a:xfrm rot="20170630">
-            <a:off x="148768" y="863613"/>
-            <a:ext cx="1053100" cy="1053098"/>
-          </a:xfrm>
-          <a:prstGeom prst="rect">
-            <a:avLst/>
-          </a:prstGeom>
-          <a:noFill/>
-          <a:ln>
-            <a:noFill/>
-          </a:ln>
-          <a:effectLst/>
-          <a:extLst>
-            <a:ext uri="{909E8E84-426E-40DD-AFC4-6F175D3DCCD1}">
-              <a14:hiddenFill xmlns:a14="http://schemas.microsoft.com/office/drawing/2010/main">
-                <a:solidFill>
-                  <a:schemeClr val="accent1"/>
-                </a:solidFill>
-              </a14:hiddenFill>
-            </a:ext>
-            <a:ext uri="{91240B29-F687-4F45-9708-019B960494DF}">
-              <a14:hiddenLine xmlns:a14="http://schemas.microsoft.com/office/drawing/2010/main" w="9525">
-                <a:solidFill>
-                  <a:schemeClr val="tx1"/>
-                </a:solidFill>
-                <a:miter lim="800000"/>
-                <a:headEnd/>
-                <a:tailEnd/>
-              </a14:hiddenLine>
-            </a:ext>
-            <a:ext uri="{AF507438-7753-43E0-B8FC-AC1667EBCBE1}">
-              <a14:hiddenEffects xmlns:a14="http://schemas.microsoft.com/office/drawing/2010/main">
-                <a:effectLst>
-                  <a:outerShdw dist="35921" dir="2700000" algn="ctr" rotWithShape="0">
-                    <a:schemeClr val="bg2"/>
-                  </a:outerShdw>
-                </a:effectLst>
-              </a14:hiddenEffects>
-            </a:ext>
-          </a:extLst>
-        </p:spPr>
-      </p:pic>
-      <p:sp>
-        <p:nvSpPr>
-          <p:cNvPr id="9" name="テキスト ボックス 8">
-            <a:extLst>
-              <a:ext uri="{FF2B5EF4-FFF2-40B4-BE49-F238E27FC236}">
-                <a16:creationId xmlns:a16="http://schemas.microsoft.com/office/drawing/2014/main" xmlns="" id="{6D709A13-6AAF-442E-AD6F-978BDC42B238}"/>
-              </a:ext>
-            </a:extLst>
-          </p:cNvPr>
-          <p:cNvSpPr txBox="1"/>
-          <p:nvPr/>
-        </p:nvSpPr>
-        <p:spPr>
-          <a:xfrm>
-            <a:off x="554628" y="1220885"/>
-            <a:ext cx="13701791" cy="1077204"/>
-          </a:xfrm>
-          <a:prstGeom prst="rect">
-            <a:avLst/>
-          </a:prstGeom>
-          <a:noFill/>
-        </p:spPr>
-        <p:txBody>
-          <a:bodyPr wrap="square" lIns="91426" tIns="45713" rIns="91426" bIns="45713" rtlCol="0">
-            <a:spAutoFit/>
-          </a:bodyPr>
-          <a:lstStyle/>
-          <a:p>
-            <a:pPr algn="l"/>
-            <a:r>
-              <a:rPr kumimoji="1" lang="ja-JP" altLang="en-US" sz="1600" dirty="0"/>
-              <a:t>次に、全体のクラス構造を示す。</a:t>
-            </a:r>
-            <a:endParaRPr kumimoji="1" lang="en-US" altLang="ja-JP" sz="1600" dirty="0"/>
-          </a:p>
-          <a:p>
-            <a:pPr algn="l"/>
-            <a:r>
-              <a:rPr kumimoji="1" lang="ja-JP" altLang="en-US" sz="1600" dirty="0"/>
-              <a:t>クラスのパッケージとして、モード制御部、駆動制御部、情報取得部、デバイスの</a:t>
-            </a:r>
-            <a:endParaRPr kumimoji="1" lang="en-US" altLang="ja-JP" sz="1600" dirty="0"/>
-          </a:p>
-          <a:p>
-            <a:pPr algn="l"/>
-            <a:r>
-              <a:rPr kumimoji="1" lang="ja-JP" altLang="en-US" sz="1600" dirty="0"/>
-              <a:t>大きく４つに分けられる。</a:t>
-            </a:r>
-            <a:endParaRPr kumimoji="1" lang="en-US" altLang="ja-JP" sz="1600" dirty="0"/>
-          </a:p>
-          <a:p>
-            <a:pPr algn="l"/>
-            <a:endParaRPr kumimoji="1" lang="en-US" altLang="ja-JP" sz="1600" dirty="0"/>
-          </a:p>
-        </p:txBody>
-      </p:sp>
-      <p:sp>
-        <p:nvSpPr>
-          <p:cNvPr id="2" name="タイトル 1">
-            <a:extLst>
-              <a:ext uri="{FF2B5EF4-FFF2-40B4-BE49-F238E27FC236}">
-                <a16:creationId xmlns:a16="http://schemas.microsoft.com/office/drawing/2014/main" xmlns="" id="{A939A150-84DE-4DF8-B22B-32EEDD9A9CEF}"/>
-              </a:ext>
-            </a:extLst>
-          </p:cNvPr>
-          <p:cNvSpPr>
-            <a:spLocks noGrp="1"/>
-          </p:cNvSpPr>
-          <p:nvPr>
-            <p:ph type="title"/>
-          </p:nvPr>
-        </p:nvSpPr>
-        <p:spPr/>
-        <p:txBody>
-          <a:bodyPr>
-            <a:normAutofit/>
-          </a:bodyPr>
-          <a:lstStyle/>
-          <a:p>
-            <a:r>
-              <a:rPr kumimoji="1" lang="en-US" altLang="ja-JP" sz="4300" dirty="0"/>
-              <a:t>4. </a:t>
-            </a:r>
-            <a:r>
-              <a:rPr kumimoji="1" lang="ja-JP" altLang="en-US" sz="4300" dirty="0"/>
-              <a:t>構造分析</a:t>
-            </a:r>
-          </a:p>
-        </p:txBody>
-      </p:sp>
-      <p:graphicFrame>
-        <p:nvGraphicFramePr>
-          <p:cNvPr id="3" name="表 2">
-            <a:extLst>
-              <a:ext uri="{FF2B5EF4-FFF2-40B4-BE49-F238E27FC236}">
-                <a16:creationId xmlns:a16="http://schemas.microsoft.com/office/drawing/2014/main" xmlns="" id="{5EEA8C49-16B3-4EC0-810F-FA6BA141E050}"/>
-              </a:ext>
-            </a:extLst>
-          </p:cNvPr>
-          <p:cNvGraphicFramePr>
-            <a:graphicFrameLocks noGrp="1"/>
-          </p:cNvGraphicFramePr>
-          <p:nvPr>
-            <p:extLst>
-              <p:ext uri="{D42A27DB-BD31-4B8C-83A1-F6EECF244321}">
-                <p14:modId xmlns:p14="http://schemas.microsoft.com/office/powerpoint/2010/main" val="2007676141"/>
-              </p:ext>
-            </p:extLst>
-          </p:nvPr>
-        </p:nvGraphicFramePr>
-        <p:xfrm>
-          <a:off x="9143851" y="737394"/>
-          <a:ext cx="5544618" cy="2164080"/>
-        </p:xfrm>
-        <a:graphic>
-          <a:graphicData uri="http://schemas.openxmlformats.org/drawingml/2006/table">
-            <a:tbl>
-              <a:tblPr firstRow="1" bandRow="1">
-                <a:tableStyleId>{93296810-A885-4BE3-A3E7-6D5BEEA58F35}</a:tableStyleId>
-              </a:tblPr>
-              <a:tblGrid>
-                <a:gridCol w="2067486">
-                  <a:extLst>
-                    <a:ext uri="{9D8B030D-6E8A-4147-A177-3AD203B41FA5}">
-                      <a16:colId xmlns:a16="http://schemas.microsoft.com/office/drawing/2014/main" xmlns="" val="557032482"/>
-                    </a:ext>
-                  </a:extLst>
-                </a:gridCol>
-                <a:gridCol w="3477132">
-                  <a:extLst>
-                    <a:ext uri="{9D8B030D-6E8A-4147-A177-3AD203B41FA5}">
-                      <a16:colId xmlns:a16="http://schemas.microsoft.com/office/drawing/2014/main" xmlns="" val="3264350795"/>
-                    </a:ext>
-                  </a:extLst>
-                </a:gridCol>
-              </a:tblGrid>
-              <a:tr h="318438">
-                <a:tc>
-                  <a:txBody>
-                    <a:bodyPr/>
-                    <a:lstStyle/>
-                    <a:p>
-                      <a:r>
-                        <a:rPr kumimoji="1" lang="ja-JP" altLang="en-US" sz="1600" dirty="0"/>
-                        <a:t>パッケージ名</a:t>
-                      </a:r>
-                    </a:p>
-                  </a:txBody>
-                  <a:tcPr>
-                    <a:solidFill>
-                      <a:schemeClr val="tx1"/>
-                    </a:solidFill>
-                  </a:tcPr>
-                </a:tc>
-                <a:tc>
-                  <a:txBody>
-                    <a:bodyPr/>
-                    <a:lstStyle/>
-                    <a:p>
-                      <a:r>
-                        <a:rPr kumimoji="1" lang="ja-JP" altLang="en-US" sz="1600" dirty="0"/>
-                        <a:t>役割</a:t>
-                      </a:r>
-                    </a:p>
-                  </a:txBody>
-                  <a:tcPr>
-                    <a:solidFill>
-                      <a:schemeClr val="tx1"/>
-                    </a:solidFill>
-                  </a:tcPr>
-                </a:tc>
-                <a:extLst>
-                  <a:ext uri="{0D108BD9-81ED-4DB2-BD59-A6C34878D82A}">
-                    <a16:rowId xmlns:a16="http://schemas.microsoft.com/office/drawing/2014/main" xmlns="" val="3940226771"/>
-                  </a:ext>
-                </a:extLst>
-              </a:tr>
-              <a:tr h="318438">
-                <a:tc>
-                  <a:txBody>
-                    <a:bodyPr/>
-                    <a:lstStyle/>
-                    <a:p>
-                      <a:r>
-                        <a:rPr kumimoji="1" lang="ja-JP" altLang="en-US" sz="1600" dirty="0"/>
-                        <a:t>モード制御部</a:t>
-                      </a:r>
-                    </a:p>
-                  </a:txBody>
-                  <a:tcPr>
-                    <a:solidFill>
-                      <a:srgbClr val="99CCFF"/>
-                    </a:solidFill>
-                  </a:tcPr>
-                </a:tc>
-                <a:tc>
-                  <a:txBody>
-                    <a:bodyPr/>
-                    <a:lstStyle/>
-                    <a:p>
-                      <a:r>
-                        <a:rPr kumimoji="1" lang="ja-JP" altLang="en-US" sz="1600" dirty="0"/>
-                        <a:t>各モードの制御を行う</a:t>
-                      </a:r>
-                    </a:p>
-                  </a:txBody>
-                  <a:tcPr>
-                    <a:solidFill>
-                      <a:srgbClr val="99CCFF"/>
-                    </a:solidFill>
-                  </a:tcPr>
-                </a:tc>
-                <a:extLst>
-                  <a:ext uri="{0D108BD9-81ED-4DB2-BD59-A6C34878D82A}">
-                    <a16:rowId xmlns:a16="http://schemas.microsoft.com/office/drawing/2014/main" xmlns="" val="1518717711"/>
-                  </a:ext>
-                </a:extLst>
-              </a:tr>
-              <a:tr h="318438">
-                <a:tc>
-                  <a:txBody>
-                    <a:bodyPr/>
-                    <a:lstStyle/>
-                    <a:p>
-                      <a:r>
-                        <a:rPr kumimoji="1" lang="ja-JP" altLang="en-US" sz="1600" dirty="0"/>
-                        <a:t>駆動制御部</a:t>
-                      </a:r>
-                    </a:p>
-                  </a:txBody>
-                  <a:tcPr>
-                    <a:solidFill>
-                      <a:srgbClr val="FF3366"/>
-                    </a:solidFill>
-                  </a:tcPr>
-                </a:tc>
-                <a:tc>
-                  <a:txBody>
-                    <a:bodyPr/>
-                    <a:lstStyle/>
-                    <a:p>
-                      <a:r>
-                        <a:rPr kumimoji="1" lang="ja-JP" altLang="en-US" sz="1600" dirty="0"/>
-                        <a:t>走行体の駆動系の制御を行う</a:t>
-                      </a:r>
-                      <a:endParaRPr kumimoji="1" lang="en-US" altLang="ja-JP" sz="1600" dirty="0"/>
-                    </a:p>
-                  </a:txBody>
-                  <a:tcPr>
-                    <a:solidFill>
-                      <a:srgbClr val="FF3366"/>
-                    </a:solidFill>
-                  </a:tcPr>
-                </a:tc>
-                <a:extLst>
-                  <a:ext uri="{0D108BD9-81ED-4DB2-BD59-A6C34878D82A}">
-                    <a16:rowId xmlns:a16="http://schemas.microsoft.com/office/drawing/2014/main" xmlns="" val="425586996"/>
-                  </a:ext>
-                </a:extLst>
-              </a:tr>
-              <a:tr h="496060">
-                <a:tc>
-                  <a:txBody>
-                    <a:bodyPr/>
-                    <a:lstStyle/>
-                    <a:p>
-                      <a:r>
-                        <a:rPr kumimoji="1" lang="ja-JP" altLang="en-US" sz="1600" dirty="0"/>
-                        <a:t>情報取得部</a:t>
-                      </a:r>
-                    </a:p>
-                  </a:txBody>
-                  <a:tcPr>
-                    <a:solidFill>
-                      <a:srgbClr val="FFFF99"/>
-                    </a:solidFill>
-                  </a:tcPr>
-                </a:tc>
-                <a:tc>
-                  <a:txBody>
-                    <a:bodyPr/>
-                    <a:lstStyle/>
-                    <a:p>
-                      <a:r>
-                        <a:rPr kumimoji="1" lang="ja-JP" altLang="en-US" sz="1600" dirty="0"/>
-                        <a:t>デバイスや所持データなどから情報を取得する</a:t>
-                      </a:r>
-                    </a:p>
-                  </a:txBody>
-                  <a:tcPr>
-                    <a:solidFill>
-                      <a:srgbClr val="FFFF99"/>
-                    </a:solidFill>
-                  </a:tcPr>
-                </a:tc>
-                <a:extLst>
-                  <a:ext uri="{0D108BD9-81ED-4DB2-BD59-A6C34878D82A}">
-                    <a16:rowId xmlns:a16="http://schemas.microsoft.com/office/drawing/2014/main" xmlns="" val="315821210"/>
-                  </a:ext>
-                </a:extLst>
-              </a:tr>
-              <a:tr h="550029">
-                <a:tc>
-                  <a:txBody>
-                    <a:bodyPr/>
-                    <a:lstStyle/>
-                    <a:p>
-                      <a:r>
-                        <a:rPr kumimoji="1" lang="ja-JP" altLang="en-US" sz="1600" dirty="0"/>
-                        <a:t>デバイス</a:t>
-                      </a:r>
-                      <a:endParaRPr kumimoji="1" lang="en-US" altLang="ja-JP" sz="1600" dirty="0"/>
-                    </a:p>
-                  </a:txBody>
-                  <a:tcPr>
-                    <a:solidFill>
-                      <a:srgbClr val="FF9933"/>
-                    </a:solidFill>
-                  </a:tcPr>
-                </a:tc>
-                <a:tc>
-                  <a:txBody>
-                    <a:bodyPr/>
-                    <a:lstStyle/>
-                    <a:p>
-                      <a:r>
-                        <a:rPr kumimoji="1" lang="ja-JP" altLang="en-US" sz="1600" dirty="0"/>
-                        <a:t>走行体のモータやセンサなどの</a:t>
-                      </a:r>
-                      <a:r>
-                        <a:rPr kumimoji="1" lang="en-US" altLang="ja-JP" sz="1600" dirty="0"/>
-                        <a:t>API</a:t>
-                      </a:r>
-                      <a:r>
-                        <a:rPr kumimoji="1" lang="ja-JP" altLang="en-US" sz="1600" dirty="0"/>
-                        <a:t>を呼び出す</a:t>
-                      </a:r>
-                    </a:p>
-                  </a:txBody>
-                  <a:tcPr>
-                    <a:solidFill>
-                      <a:srgbClr val="FF9933"/>
-                    </a:solidFill>
-                  </a:tcPr>
-                </a:tc>
-                <a:extLst>
-                  <a:ext uri="{0D108BD9-81ED-4DB2-BD59-A6C34878D82A}">
-                    <a16:rowId xmlns:a16="http://schemas.microsoft.com/office/drawing/2014/main" xmlns="" val="1080852151"/>
-                  </a:ext>
-                </a:extLst>
-              </a:tr>
-            </a:tbl>
-          </a:graphicData>
-        </a:graphic>
-      </p:graphicFrame>
-      <p:grpSp>
-        <p:nvGrpSpPr>
-          <p:cNvPr id="17" name="グループ化 16">
-            <a:extLst>
-              <a:ext uri="{FF2B5EF4-FFF2-40B4-BE49-F238E27FC236}">
-                <a16:creationId xmlns:a16="http://schemas.microsoft.com/office/drawing/2014/main" xmlns="" id="{ABAD940B-6245-4378-AD10-7CABF074D1AB}"/>
-              </a:ext>
-            </a:extLst>
-          </p:cNvPr>
-          <p:cNvGrpSpPr/>
-          <p:nvPr/>
-        </p:nvGrpSpPr>
-        <p:grpSpPr>
-          <a:xfrm>
-            <a:off x="109347" y="2897634"/>
-            <a:ext cx="14833648" cy="7344817"/>
-            <a:chOff x="109347" y="2897634"/>
-            <a:chExt cx="14833648" cy="7344817"/>
-          </a:xfrm>
-        </p:grpSpPr>
-        <p:pic>
-          <p:nvPicPr>
-            <p:cNvPr id="16" name="図 15">
-              <a:extLst>
-                <a:ext uri="{FF2B5EF4-FFF2-40B4-BE49-F238E27FC236}">
-                  <a16:creationId xmlns:a16="http://schemas.microsoft.com/office/drawing/2014/main" xmlns="" id="{D014E26A-93BE-4F7A-861A-3DC38C5C170D}"/>
-                </a:ext>
-              </a:extLst>
-            </p:cNvPr>
-            <p:cNvPicPr>
-              <a:picLocks noChangeAspect="1"/>
-            </p:cNvPicPr>
-            <p:nvPr/>
-          </p:nvPicPr>
-          <p:blipFill rotWithShape="1">
-            <a:blip r:embed="rId3">
-              <a:extLst>
-                <a:ext uri="{28A0092B-C50C-407E-A947-70E740481C1C}">
-                  <a14:useLocalDpi xmlns:a14="http://schemas.microsoft.com/office/drawing/2010/main" val="0"/>
-                </a:ext>
-              </a:extLst>
-            </a:blip>
-            <a:srcRect l="2851" t="4562" r="950" b="4562"/>
-            <a:stretch/>
-          </p:blipFill>
-          <p:spPr>
-            <a:xfrm>
-              <a:off x="170561" y="3246552"/>
-              <a:ext cx="14723418" cy="6851882"/>
-            </a:xfrm>
-            <a:prstGeom prst="rect">
-              <a:avLst/>
-            </a:prstGeom>
-          </p:spPr>
-        </p:pic>
-        <p:sp>
-          <p:nvSpPr>
-            <p:cNvPr id="14" name="四角形: 角を丸くする 2">
-              <a:extLst>
-                <a:ext uri="{FF2B5EF4-FFF2-40B4-BE49-F238E27FC236}">
-                  <a16:creationId xmlns:a16="http://schemas.microsoft.com/office/drawing/2014/main" xmlns="" id="{67F8A74E-DB49-49E2-9408-B509D9D9FD84}"/>
-                </a:ext>
-              </a:extLst>
-            </p:cNvPr>
-            <p:cNvSpPr/>
-            <p:nvPr/>
-          </p:nvSpPr>
-          <p:spPr bwMode="auto">
-            <a:xfrm>
-              <a:off x="109347" y="3117498"/>
-              <a:ext cx="14833648" cy="7124953"/>
-            </a:xfrm>
-            <a:prstGeom prst="roundRect">
-              <a:avLst>
-                <a:gd name="adj" fmla="val 5155"/>
-              </a:avLst>
-            </a:prstGeom>
-            <a:noFill/>
-            <a:ln w="28575" cap="flat" cmpd="sng" algn="ctr">
-              <a:solidFill>
-                <a:srgbClr val="FF0000"/>
-              </a:solidFill>
-              <a:prstDash val="solid"/>
-              <a:round/>
-              <a:headEnd type="none" w="med" len="med"/>
-              <a:tailEnd type="none" w="med" len="med"/>
-            </a:ln>
-            <a:effectLst/>
-            <a:extLst/>
-          </p:spPr>
-          <p:txBody>
-            <a:bodyPr vert="horz" wrap="none" lIns="91426" tIns="45713" rIns="91426" bIns="45713" numCol="1" rtlCol="0" anchor="ctr" anchorCtr="0" compatLnSpc="1">
-              <a:prstTxWarp prst="textNoShape">
-                <a:avLst/>
-              </a:prstTxWarp>
-            </a:bodyPr>
-            <a:lstStyle/>
-            <a:p>
-              <a:pPr defTabSz="914251"/>
-              <a:endParaRPr lang="ja-JP" altLang="en-US">
-                <a:ln>
-                  <a:solidFill>
-                    <a:srgbClr val="FF5353"/>
-                  </a:solidFill>
-                </a:ln>
-              </a:endParaRPr>
-            </a:p>
-          </p:txBody>
-        </p:sp>
-        <p:sp>
-          <p:nvSpPr>
-            <p:cNvPr id="10" name="テキスト ボックス 9">
-              <a:extLst>
-                <a:ext uri="{FF2B5EF4-FFF2-40B4-BE49-F238E27FC236}">
-                  <a16:creationId xmlns:a16="http://schemas.microsoft.com/office/drawing/2014/main" xmlns="" id="{825F097D-4588-4F8F-AA42-B0D77B0F9CE3}"/>
-                </a:ext>
-              </a:extLst>
-            </p:cNvPr>
-            <p:cNvSpPr txBox="1"/>
-            <p:nvPr/>
-          </p:nvSpPr>
-          <p:spPr>
-            <a:xfrm>
-              <a:off x="536395" y="2897634"/>
-              <a:ext cx="1910712" cy="461651"/>
-            </a:xfrm>
-            <a:prstGeom prst="rect">
-              <a:avLst/>
-            </a:prstGeom>
-            <a:solidFill>
-              <a:srgbClr val="FFE7FF"/>
-            </a:solidFill>
-            <a:ln w="28575">
-              <a:solidFill>
-                <a:srgbClr val="FF0000"/>
-              </a:solidFill>
-            </a:ln>
-          </p:spPr>
-          <p:txBody>
-            <a:bodyPr wrap="square" lIns="91426" tIns="45713" rIns="91426" bIns="45713" rtlCol="0">
-              <a:spAutoFit/>
-            </a:bodyPr>
-            <a:lstStyle/>
-            <a:p>
-              <a:pPr algn="l"/>
-              <a:r>
-                <a:rPr kumimoji="1" lang="ja-JP" altLang="en-US" sz="2400" b="1" dirty="0"/>
-                <a:t>クラス構造</a:t>
-              </a:r>
-            </a:p>
-          </p:txBody>
-        </p:sp>
-      </p:grpSp>
-      <p:sp>
-        <p:nvSpPr>
-          <p:cNvPr id="11" name="テキスト ボックス 10">
-            <a:extLst>
-              <a:ext uri="{FF2B5EF4-FFF2-40B4-BE49-F238E27FC236}">
-                <a16:creationId xmlns:a16="http://schemas.microsoft.com/office/drawing/2014/main" xmlns="" id="{825F097D-4588-4F8F-AA42-B0D77B0F9CE3}"/>
-              </a:ext>
-            </a:extLst>
-          </p:cNvPr>
-          <p:cNvSpPr txBox="1"/>
-          <p:nvPr/>
-        </p:nvSpPr>
-        <p:spPr>
-          <a:xfrm>
-            <a:off x="9105347" y="273459"/>
-            <a:ext cx="1694688" cy="369318"/>
-          </a:xfrm>
-          <a:prstGeom prst="rect">
-            <a:avLst/>
-          </a:prstGeom>
-          <a:solidFill>
-            <a:srgbClr val="FFE7FF"/>
-          </a:solidFill>
-          <a:ln w="28575">
-            <a:solidFill>
-              <a:srgbClr val="FF0000"/>
-            </a:solidFill>
-          </a:ln>
-        </p:spPr>
-        <p:txBody>
-          <a:bodyPr wrap="square" lIns="91426" tIns="45713" rIns="91426" bIns="45713" rtlCol="0">
-            <a:spAutoFit/>
-          </a:bodyPr>
-          <a:lstStyle/>
-          <a:p>
-            <a:pPr algn="l"/>
-            <a:r>
-              <a:rPr kumimoji="1" lang="ja-JP" altLang="en-US" b="1" dirty="0"/>
-              <a:t>パッケージ説明</a:t>
-            </a:r>
-          </a:p>
-        </p:txBody>
-      </p:sp>
-    </p:spTree>
-    <p:extLst>
-      <p:ext uri="{BB962C8B-B14F-4D97-AF65-F5344CB8AC3E}">
-        <p14:creationId xmlns:p14="http://schemas.microsoft.com/office/powerpoint/2010/main" val="2709897343"/>
-      </p:ext>
-    </p:extLst>
-  </p:cSld>
-  <p:clrMapOvr>
-    <a:masterClrMapping/>
-  </p:clrMapOvr>
-</p:sld>
-</file>
-
-<file path=ppt/slides/slide5.xml><?xml version="1.0" encoding="utf-8"?>
-<p:sld xmlns:a="http://schemas.openxmlformats.org/drawingml/2006/main" xmlns:r="http://schemas.openxmlformats.org/officeDocument/2006/relationships" xmlns:p="http://schemas.openxmlformats.org/presentationml/2006/main">
-  <p:cSld>
-    <p:spTree>
-      <p:nvGrpSpPr>
-        <p:cNvPr id="1" name=""/>
-        <p:cNvGrpSpPr/>
-        <p:nvPr/>
-      </p:nvGrpSpPr>
-      <p:grpSpPr>
-        <a:xfrm>
-          <a:off x="0" y="0"/>
-          <a:ext cx="0" cy="0"/>
-          <a:chOff x="0" y="0"/>
-          <a:chExt cx="0" cy="0"/>
-        </a:xfrm>
-      </p:grpSpPr>
-      <p:grpSp>
-        <p:nvGrpSpPr>
-          <p:cNvPr id="35" name="グループ化 34">
-            <a:extLst>
-              <a:ext uri="{FF2B5EF4-FFF2-40B4-BE49-F238E27FC236}">
-                <a16:creationId xmlns:a16="http://schemas.microsoft.com/office/drawing/2014/main" xmlns="" id="{7B458B15-DB0F-4C7C-B5AE-49F4381C2E33}"/>
-              </a:ext>
-            </a:extLst>
-          </p:cNvPr>
-          <p:cNvGrpSpPr/>
-          <p:nvPr/>
-        </p:nvGrpSpPr>
-        <p:grpSpPr>
-          <a:xfrm>
-            <a:off x="10895197" y="88192"/>
-            <a:ext cx="3991622" cy="3529522"/>
-            <a:chOff x="10459042" y="88192"/>
-            <a:chExt cx="3991622" cy="3529522"/>
-          </a:xfrm>
-        </p:grpSpPr>
-        <p:pic>
-          <p:nvPicPr>
-            <p:cNvPr id="16" name="図 15">
-              <a:extLst>
-                <a:ext uri="{FF2B5EF4-FFF2-40B4-BE49-F238E27FC236}">
-                  <a16:creationId xmlns:a16="http://schemas.microsoft.com/office/drawing/2014/main" xmlns="" id="{DDFF7D04-638E-46BD-A024-640C8F448AA3}"/>
-                </a:ext>
-              </a:extLst>
-            </p:cNvPr>
-            <p:cNvPicPr>
-              <a:picLocks noChangeAspect="1"/>
-            </p:cNvPicPr>
-            <p:nvPr/>
-          </p:nvPicPr>
-          <p:blipFill rotWithShape="1">
-            <a:blip r:embed="rId2">
-              <a:extLst>
-                <a:ext uri="{28A0092B-C50C-407E-A947-70E740481C1C}">
-                  <a14:useLocalDpi xmlns:a14="http://schemas.microsoft.com/office/drawing/2010/main" val="0"/>
-                </a:ext>
-              </a:extLst>
-            </a:blip>
-            <a:srcRect l="7142" t="10020" r="3823" b="9001"/>
-            <a:stretch/>
-          </p:blipFill>
-          <p:spPr>
-            <a:xfrm>
-              <a:off x="10494827" y="512714"/>
-              <a:ext cx="3955837" cy="3010258"/>
-            </a:xfrm>
-            <a:prstGeom prst="rect">
-              <a:avLst/>
-            </a:prstGeom>
-          </p:spPr>
-        </p:pic>
-        <p:grpSp>
-          <p:nvGrpSpPr>
-            <p:cNvPr id="3" name="グループ化 2"/>
-            <p:cNvGrpSpPr/>
-            <p:nvPr/>
-          </p:nvGrpSpPr>
-          <p:grpSpPr>
-            <a:xfrm>
-              <a:off x="10459042" y="88192"/>
-              <a:ext cx="3991621" cy="3529522"/>
-              <a:chOff x="508282" y="6234869"/>
-              <a:chExt cx="3991621" cy="3756672"/>
-            </a:xfrm>
-          </p:grpSpPr>
-          <p:sp>
-            <p:nvSpPr>
-              <p:cNvPr id="23" name="四角形: 角を丸くする 2">
-                <a:extLst>
-                  <a:ext uri="{FF2B5EF4-FFF2-40B4-BE49-F238E27FC236}">
-                    <a16:creationId xmlns:a16="http://schemas.microsoft.com/office/drawing/2014/main" xmlns="" id="{2B99B1EA-17D2-4495-A343-2A1713BC8495}"/>
-                  </a:ext>
-                </a:extLst>
-              </p:cNvPr>
-              <p:cNvSpPr/>
-              <p:nvPr/>
-            </p:nvSpPr>
-            <p:spPr bwMode="auto">
-              <a:xfrm>
-                <a:off x="508282" y="6452351"/>
-                <a:ext cx="3991621" cy="3539190"/>
-              </a:xfrm>
-              <a:prstGeom prst="roundRect">
-                <a:avLst>
-                  <a:gd name="adj" fmla="val 5155"/>
-                </a:avLst>
-              </a:prstGeom>
-              <a:noFill/>
-              <a:ln w="28575" cap="flat" cmpd="sng" algn="ctr">
-                <a:solidFill>
-                  <a:srgbClr val="FF0000"/>
-                </a:solidFill>
-                <a:prstDash val="solid"/>
-                <a:round/>
-                <a:headEnd type="none" w="med" len="med"/>
-                <a:tailEnd type="none" w="med" len="med"/>
-              </a:ln>
-              <a:effectLst/>
-              <a:extLst/>
-            </p:spPr>
-            <p:txBody>
-              <a:bodyPr vert="horz" wrap="none" lIns="91426" tIns="45713" rIns="91426" bIns="45713" numCol="1" rtlCol="0" anchor="ctr" anchorCtr="0" compatLnSpc="1">
-                <a:prstTxWarp prst="textNoShape">
-                  <a:avLst/>
-                </a:prstTxWarp>
-              </a:bodyPr>
-              <a:lstStyle/>
-              <a:p>
-                <a:pPr defTabSz="914251"/>
-                <a:endParaRPr lang="ja-JP" altLang="en-US">
-                  <a:ln>
-                    <a:solidFill>
-                      <a:srgbClr val="FF5353"/>
-                    </a:solidFill>
-                  </a:ln>
-                </a:endParaRPr>
-              </a:p>
-            </p:txBody>
-          </p:sp>
-          <p:sp>
-            <p:nvSpPr>
-              <p:cNvPr id="24" name="テキスト ボックス 23">
-                <a:extLst>
-                  <a:ext uri="{FF2B5EF4-FFF2-40B4-BE49-F238E27FC236}">
-                    <a16:creationId xmlns:a16="http://schemas.microsoft.com/office/drawing/2014/main" xmlns="" id="{825F097D-4588-4F8F-AA42-B0D77B0F9CE3}"/>
-                  </a:ext>
-                </a:extLst>
-              </p:cNvPr>
-              <p:cNvSpPr txBox="1"/>
-              <p:nvPr/>
-            </p:nvSpPr>
-            <p:spPr>
-              <a:xfrm>
-                <a:off x="633725" y="6234869"/>
-                <a:ext cx="3012127" cy="369318"/>
-              </a:xfrm>
-              <a:prstGeom prst="rect">
-                <a:avLst/>
-              </a:prstGeom>
-              <a:solidFill>
-                <a:srgbClr val="FFE7FF"/>
-              </a:solidFill>
-              <a:ln w="28575">
-                <a:solidFill>
-                  <a:srgbClr val="FF0000"/>
-                </a:solidFill>
-              </a:ln>
-            </p:spPr>
-            <p:txBody>
-              <a:bodyPr wrap="square" lIns="91426" tIns="45713" rIns="91426" bIns="45713" rtlCol="0">
-                <a:spAutoFit/>
-              </a:bodyPr>
-              <a:lstStyle/>
-              <a:p>
-                <a:pPr algn="l"/>
-                <a:r>
-                  <a:rPr kumimoji="1" lang="ja-JP" altLang="en-US" b="1" dirty="0"/>
-                  <a:t>自己位置推定の処理フロー</a:t>
-                </a:r>
-              </a:p>
-            </p:txBody>
-          </p:sp>
-        </p:grpSp>
-      </p:grpSp>
-      <p:pic>
-        <p:nvPicPr>
-          <p:cNvPr id="12" name="Picture 2"/>
           <p:cNvPicPr>
             <a:picLocks noChangeAspect="1" noChangeArrowheads="1"/>
           </p:cNvPicPr>
@@ -16300,10 +15525,10 @@
       </p:pic>
       <p:sp>
         <p:nvSpPr>
-          <p:cNvPr id="18" name="テキスト ボックス 17">
+          <p:cNvPr id="9" name="テキスト ボックス 8">
             <a:extLst>
               <a:ext uri="{FF2B5EF4-FFF2-40B4-BE49-F238E27FC236}">
-                <a16:creationId xmlns:a16="http://schemas.microsoft.com/office/drawing/2014/main" xmlns="" id="{6D709A13-6AAF-442E-AD6F-978BDC42B238}"/>
+                <a16:creationId xmlns="" xmlns:a16="http://schemas.microsoft.com/office/drawing/2014/main" id="{6D709A13-6AAF-442E-AD6F-978BDC42B238}"/>
               </a:ext>
             </a:extLst>
           </p:cNvPr>
@@ -16312,8 +15537,8 @@
         </p:nvSpPr>
         <p:spPr>
           <a:xfrm>
-            <a:off x="554629" y="1220885"/>
-            <a:ext cx="3901808" cy="2062089"/>
+            <a:off x="554628" y="1220885"/>
+            <a:ext cx="13701791" cy="1077204"/>
           </a:xfrm>
           <a:prstGeom prst="rect">
             <a:avLst/>
@@ -16329,15 +15554,15 @@
             <a:pPr algn="l"/>
             <a:r>
               <a:rPr kumimoji="1" lang="ja-JP" altLang="en-US" sz="1600" dirty="0"/>
-              <a:t>「</a:t>
-            </a:r>
-            <a:r>
-              <a:rPr kumimoji="1" lang="en-US" altLang="ja-JP" sz="1600" dirty="0"/>
-              <a:t>4. </a:t>
-            </a:r>
+              <a:t>次に、全体のクラス構造を示す。</a:t>
+            </a:r>
+            <a:endParaRPr kumimoji="1" lang="en-US" altLang="ja-JP" sz="1600" dirty="0"/>
+          </a:p>
+          <a:p>
+            <a:pPr algn="l"/>
             <a:r>
               <a:rPr kumimoji="1" lang="ja-JP" altLang="en-US" sz="1600" dirty="0"/>
-              <a:t>構造設計」で示したそれぞれのクラスの</a:t>
+              <a:t>クラスのパッケージとして、モード制御部、駆動制御部、情報取得部、デバイスの</a:t>
             </a:r>
             <a:endParaRPr kumimoji="1" lang="en-US" altLang="ja-JP" sz="1600" dirty="0"/>
           </a:p>
@@ -16345,40 +15570,12 @@
             <a:pPr algn="l"/>
             <a:r>
               <a:rPr kumimoji="1" lang="ja-JP" altLang="en-US" sz="1600" dirty="0"/>
-              <a:t>シーケンス図を以下に示す。</a:t>
+              <a:t>大きく４つに分けられる。</a:t>
             </a:r>
             <a:endParaRPr kumimoji="1" lang="en-US" altLang="ja-JP" sz="1600" dirty="0"/>
           </a:p>
           <a:p>
             <a:pPr algn="l"/>
-            <a:r>
-              <a:rPr kumimoji="1" lang="ja-JP" altLang="en-US" sz="1600" dirty="0"/>
-              <a:t>ここではコースを完走するために必要な</a:t>
-            </a:r>
-            <a:r>
-              <a:rPr kumimoji="1" lang="ja-JP" altLang="en-US" sz="1600" b="1" dirty="0"/>
-              <a:t>ライントレース</a:t>
-            </a:r>
-            <a:r>
-              <a:rPr kumimoji="1" lang="ja-JP" altLang="en-US" sz="1600" dirty="0"/>
-              <a:t>と、私たちのアピールポイントの</a:t>
-            </a:r>
-            <a:r>
-              <a:rPr kumimoji="1" lang="ja-JP" altLang="en-US" sz="1600" b="1" dirty="0"/>
-              <a:t>コース復帰制御</a:t>
-            </a:r>
-            <a:r>
-              <a:rPr kumimoji="1" lang="ja-JP" altLang="en-US" sz="1600" dirty="0"/>
-              <a:t>のシーケンス図の記載だけに限らせていただいた。自動キャリブレーション、</a:t>
-            </a:r>
-            <a:r>
-              <a:rPr kumimoji="1" lang="en-US" altLang="ja-JP" sz="1600" dirty="0"/>
-              <a:t>Bluetooth</a:t>
-            </a:r>
-            <a:r>
-              <a:rPr kumimoji="1" lang="ja-JP" altLang="en-US" sz="1600" dirty="0"/>
-              <a:t>スタートについては省略した。</a:t>
-            </a:r>
             <a:endParaRPr kumimoji="1" lang="en-US" altLang="ja-JP" sz="1600" dirty="0"/>
           </a:p>
         </p:txBody>
@@ -16388,7 +15585,7 @@
           <p:cNvPr id="2" name="タイトル 1">
             <a:extLst>
               <a:ext uri="{FF2B5EF4-FFF2-40B4-BE49-F238E27FC236}">
-                <a16:creationId xmlns:a16="http://schemas.microsoft.com/office/drawing/2014/main" xmlns="" id="{6F2F6225-A22A-40FF-9D68-4EE3CAB7BDAB}"/>
+                <a16:creationId xmlns="" xmlns:a16="http://schemas.microsoft.com/office/drawing/2014/main" id="{A939A150-84DE-4DF8-B22B-32EEDD9A9CEF}"/>
               </a:ext>
             </a:extLst>
           </p:cNvPr>
@@ -16399,12 +15596,7 @@
             <p:ph type="title"/>
           </p:nvPr>
         </p:nvSpPr>
-        <p:spPr>
-          <a:xfrm>
-            <a:off x="-1" y="1"/>
-            <a:ext cx="5760000" cy="1025426"/>
-          </a:xfrm>
-        </p:spPr>
+        <p:spPr/>
         <p:txBody>
           <a:bodyPr>
             <a:normAutofit/>
@@ -16413,21 +15605,286 @@
           <a:p>
             <a:r>
               <a:rPr kumimoji="1" lang="en-US" altLang="ja-JP" sz="4300" dirty="0"/>
-              <a:t>5. </a:t>
+              <a:t>4. </a:t>
             </a:r>
             <a:r>
               <a:rPr kumimoji="1" lang="ja-JP" altLang="en-US" sz="4300" dirty="0"/>
-              <a:t>振る舞い設計</a:t>
+              <a:t>構造分析</a:t>
             </a:r>
           </a:p>
         </p:txBody>
       </p:sp>
+      <p:graphicFrame>
+        <p:nvGraphicFramePr>
+          <p:cNvPr id="3" name="表 2">
+            <a:extLst>
+              <a:ext uri="{FF2B5EF4-FFF2-40B4-BE49-F238E27FC236}">
+                <a16:creationId xmlns="" xmlns:a16="http://schemas.microsoft.com/office/drawing/2014/main" id="{5EEA8C49-16B3-4EC0-810F-FA6BA141E050}"/>
+              </a:ext>
+            </a:extLst>
+          </p:cNvPr>
+          <p:cNvGraphicFramePr>
+            <a:graphicFrameLocks noGrp="1"/>
+          </p:cNvGraphicFramePr>
+          <p:nvPr>
+            <p:extLst>
+              <p:ext uri="{D42A27DB-BD31-4B8C-83A1-F6EECF244321}">
+                <p14:modId xmlns:p14="http://schemas.microsoft.com/office/powerpoint/2010/main" val="2007676141"/>
+              </p:ext>
+            </p:extLst>
+          </p:nvPr>
+        </p:nvGraphicFramePr>
+        <p:xfrm>
+          <a:off x="9143851" y="737394"/>
+          <a:ext cx="5544618" cy="2164080"/>
+        </p:xfrm>
+        <a:graphic>
+          <a:graphicData uri="http://schemas.openxmlformats.org/drawingml/2006/table">
+            <a:tbl>
+              <a:tblPr firstRow="1" bandRow="1">
+                <a:tableStyleId>{93296810-A885-4BE3-A3E7-6D5BEEA58F35}</a:tableStyleId>
+              </a:tblPr>
+              <a:tblGrid>
+                <a:gridCol w="2067486">
+                  <a:extLst>
+                    <a:ext uri="{9D8B030D-6E8A-4147-A177-3AD203B41FA5}">
+                      <a16:colId xmlns="" xmlns:a16="http://schemas.microsoft.com/office/drawing/2014/main" val="557032482"/>
+                    </a:ext>
+                  </a:extLst>
+                </a:gridCol>
+                <a:gridCol w="3477132">
+                  <a:extLst>
+                    <a:ext uri="{9D8B030D-6E8A-4147-A177-3AD203B41FA5}">
+                      <a16:colId xmlns="" xmlns:a16="http://schemas.microsoft.com/office/drawing/2014/main" val="3264350795"/>
+                    </a:ext>
+                  </a:extLst>
+                </a:gridCol>
+              </a:tblGrid>
+              <a:tr h="318438">
+                <a:tc>
+                  <a:txBody>
+                    <a:bodyPr/>
+                    <a:lstStyle/>
+                    <a:p>
+                      <a:r>
+                        <a:rPr kumimoji="1" lang="ja-JP" altLang="en-US" sz="1600" dirty="0"/>
+                        <a:t>パッケージ名</a:t>
+                      </a:r>
+                    </a:p>
+                  </a:txBody>
+                  <a:tcPr>
+                    <a:solidFill>
+                      <a:schemeClr val="tx1"/>
+                    </a:solidFill>
+                  </a:tcPr>
+                </a:tc>
+                <a:tc>
+                  <a:txBody>
+                    <a:bodyPr/>
+                    <a:lstStyle/>
+                    <a:p>
+                      <a:r>
+                        <a:rPr kumimoji="1" lang="ja-JP" altLang="en-US" sz="1600" dirty="0"/>
+                        <a:t>役割</a:t>
+                      </a:r>
+                    </a:p>
+                  </a:txBody>
+                  <a:tcPr>
+                    <a:solidFill>
+                      <a:schemeClr val="tx1"/>
+                    </a:solidFill>
+                  </a:tcPr>
+                </a:tc>
+                <a:extLst>
+                  <a:ext uri="{0D108BD9-81ED-4DB2-BD59-A6C34878D82A}">
+                    <a16:rowId xmlns="" xmlns:a16="http://schemas.microsoft.com/office/drawing/2014/main" val="3940226771"/>
+                  </a:ext>
+                </a:extLst>
+              </a:tr>
+              <a:tr h="318438">
+                <a:tc>
+                  <a:txBody>
+                    <a:bodyPr/>
+                    <a:lstStyle/>
+                    <a:p>
+                      <a:r>
+                        <a:rPr kumimoji="1" lang="ja-JP" altLang="en-US" sz="1600" dirty="0"/>
+                        <a:t>モード制御部</a:t>
+                      </a:r>
+                    </a:p>
+                  </a:txBody>
+                  <a:tcPr>
+                    <a:solidFill>
+                      <a:srgbClr val="99CCFF"/>
+                    </a:solidFill>
+                  </a:tcPr>
+                </a:tc>
+                <a:tc>
+                  <a:txBody>
+                    <a:bodyPr/>
+                    <a:lstStyle/>
+                    <a:p>
+                      <a:r>
+                        <a:rPr kumimoji="1" lang="ja-JP" altLang="en-US" sz="1600" dirty="0"/>
+                        <a:t>各モードの制御を行う</a:t>
+                      </a:r>
+                    </a:p>
+                  </a:txBody>
+                  <a:tcPr>
+                    <a:solidFill>
+                      <a:srgbClr val="99CCFF"/>
+                    </a:solidFill>
+                  </a:tcPr>
+                </a:tc>
+                <a:extLst>
+                  <a:ext uri="{0D108BD9-81ED-4DB2-BD59-A6C34878D82A}">
+                    <a16:rowId xmlns="" xmlns:a16="http://schemas.microsoft.com/office/drawing/2014/main" val="1518717711"/>
+                  </a:ext>
+                </a:extLst>
+              </a:tr>
+              <a:tr h="318438">
+                <a:tc>
+                  <a:txBody>
+                    <a:bodyPr/>
+                    <a:lstStyle/>
+                    <a:p>
+                      <a:r>
+                        <a:rPr kumimoji="1" lang="ja-JP" altLang="en-US" sz="1600" dirty="0"/>
+                        <a:t>駆動制御部</a:t>
+                      </a:r>
+                    </a:p>
+                  </a:txBody>
+                  <a:tcPr>
+                    <a:solidFill>
+                      <a:srgbClr val="FF3366"/>
+                    </a:solidFill>
+                  </a:tcPr>
+                </a:tc>
+                <a:tc>
+                  <a:txBody>
+                    <a:bodyPr/>
+                    <a:lstStyle/>
+                    <a:p>
+                      <a:r>
+                        <a:rPr kumimoji="1" lang="ja-JP" altLang="en-US" sz="1600" dirty="0"/>
+                        <a:t>走行体の駆動系の制御を行う</a:t>
+                      </a:r>
+                      <a:endParaRPr kumimoji="1" lang="en-US" altLang="ja-JP" sz="1600" dirty="0"/>
+                    </a:p>
+                  </a:txBody>
+                  <a:tcPr>
+                    <a:solidFill>
+                      <a:srgbClr val="FF3366"/>
+                    </a:solidFill>
+                  </a:tcPr>
+                </a:tc>
+                <a:extLst>
+                  <a:ext uri="{0D108BD9-81ED-4DB2-BD59-A6C34878D82A}">
+                    <a16:rowId xmlns="" xmlns:a16="http://schemas.microsoft.com/office/drawing/2014/main" val="425586996"/>
+                  </a:ext>
+                </a:extLst>
+              </a:tr>
+              <a:tr h="496060">
+                <a:tc>
+                  <a:txBody>
+                    <a:bodyPr/>
+                    <a:lstStyle/>
+                    <a:p>
+                      <a:r>
+                        <a:rPr kumimoji="1" lang="ja-JP" altLang="en-US" sz="1600" dirty="0"/>
+                        <a:t>情報取得部</a:t>
+                      </a:r>
+                    </a:p>
+                  </a:txBody>
+                  <a:tcPr>
+                    <a:solidFill>
+                      <a:srgbClr val="FFFF99"/>
+                    </a:solidFill>
+                  </a:tcPr>
+                </a:tc>
+                <a:tc>
+                  <a:txBody>
+                    <a:bodyPr/>
+                    <a:lstStyle/>
+                    <a:p>
+                      <a:r>
+                        <a:rPr kumimoji="1" lang="ja-JP" altLang="en-US" sz="1600" dirty="0"/>
+                        <a:t>デバイスや所持データなどから情報を取得する</a:t>
+                      </a:r>
+                    </a:p>
+                  </a:txBody>
+                  <a:tcPr>
+                    <a:solidFill>
+                      <a:srgbClr val="FFFF99"/>
+                    </a:solidFill>
+                  </a:tcPr>
+                </a:tc>
+                <a:extLst>
+                  <a:ext uri="{0D108BD9-81ED-4DB2-BD59-A6C34878D82A}">
+                    <a16:rowId xmlns="" xmlns:a16="http://schemas.microsoft.com/office/drawing/2014/main" val="315821210"/>
+                  </a:ext>
+                </a:extLst>
+              </a:tr>
+              <a:tr h="550029">
+                <a:tc>
+                  <a:txBody>
+                    <a:bodyPr/>
+                    <a:lstStyle/>
+                    <a:p>
+                      <a:r>
+                        <a:rPr kumimoji="1" lang="ja-JP" altLang="en-US" sz="1600" dirty="0"/>
+                        <a:t>デバイス</a:t>
+                      </a:r>
+                      <a:endParaRPr kumimoji="1" lang="en-US" altLang="ja-JP" sz="1600" dirty="0"/>
+                    </a:p>
+                  </a:txBody>
+                  <a:tcPr>
+                    <a:solidFill>
+                      <a:srgbClr val="FF9933"/>
+                    </a:solidFill>
+                  </a:tcPr>
+                </a:tc>
+                <a:tc>
+                  <a:txBody>
+                    <a:bodyPr/>
+                    <a:lstStyle/>
+                    <a:p>
+                      <a:r>
+                        <a:rPr kumimoji="1" lang="ja-JP" altLang="en-US" sz="1600" dirty="0"/>
+                        <a:t>走行体のモータやセンサなどの</a:t>
+                      </a:r>
+                      <a:r>
+                        <a:rPr kumimoji="1" lang="en-US" altLang="ja-JP" sz="1600" dirty="0"/>
+                        <a:t>API</a:t>
+                      </a:r>
+                      <a:r>
+                        <a:rPr kumimoji="1" lang="ja-JP" altLang="en-US" sz="1600" dirty="0"/>
+                        <a:t>を呼び出す</a:t>
+                      </a:r>
+                    </a:p>
+                  </a:txBody>
+                  <a:tcPr>
+                    <a:solidFill>
+                      <a:srgbClr val="FF9933"/>
+                    </a:solidFill>
+                  </a:tcPr>
+                </a:tc>
+                <a:extLst>
+                  <a:ext uri="{0D108BD9-81ED-4DB2-BD59-A6C34878D82A}">
+                    <a16:rowId xmlns="" xmlns:a16="http://schemas.microsoft.com/office/drawing/2014/main" val="1080852151"/>
+                  </a:ext>
+                </a:extLst>
+              </a:tr>
+            </a:tbl>
+          </a:graphicData>
+        </a:graphic>
+      </p:graphicFrame>
       <p:grpSp>
         <p:nvGrpSpPr>
-          <p:cNvPr id="5" name="グループ化 4">
+          <p:cNvPr id="17" name="グループ化 16">
             <a:extLst>
               <a:ext uri="{FF2B5EF4-FFF2-40B4-BE49-F238E27FC236}">
-                <a16:creationId xmlns:a16="http://schemas.microsoft.com/office/drawing/2014/main" xmlns="" id="{B4749746-FD99-4099-9F49-E642A26BC6ED}"/>
+                <a16:creationId xmlns="" xmlns:a16="http://schemas.microsoft.com/office/drawing/2014/main" id="{ABAD940B-6245-4378-AD10-7CABF074D1AB}"/>
               </a:ext>
             </a:extLst>
           </p:cNvPr>
@@ -16436,18 +15893,326 @@
         </p:nvGrpSpPr>
         <p:grpSpPr>
           <a:xfrm>
-            <a:off x="356059" y="3287516"/>
-            <a:ext cx="3088110" cy="3066502"/>
-            <a:chOff x="718915" y="1817514"/>
-            <a:chExt cx="3088110" cy="3066502"/>
+            <a:off x="109347" y="2897634"/>
+            <a:ext cx="14833648" cy="7344817"/>
+            <a:chOff x="109347" y="2897634"/>
+            <a:chExt cx="14833648" cy="7344817"/>
+          </a:xfrm>
+        </p:grpSpPr>
+        <p:sp>
+          <p:nvSpPr>
+            <p:cNvPr id="14" name="四角形: 角を丸くする 2">
+              <a:extLst>
+                <a:ext uri="{FF2B5EF4-FFF2-40B4-BE49-F238E27FC236}">
+                  <a16:creationId xmlns="" xmlns:a16="http://schemas.microsoft.com/office/drawing/2014/main" id="{67F8A74E-DB49-49E2-9408-B509D9D9FD84}"/>
+                </a:ext>
+              </a:extLst>
+            </p:cNvPr>
+            <p:cNvSpPr/>
+            <p:nvPr/>
+          </p:nvSpPr>
+          <p:spPr bwMode="auto">
+            <a:xfrm>
+              <a:off x="109347" y="3117498"/>
+              <a:ext cx="14833648" cy="7124953"/>
+            </a:xfrm>
+            <a:prstGeom prst="roundRect">
+              <a:avLst>
+                <a:gd name="adj" fmla="val 5155"/>
+              </a:avLst>
+            </a:prstGeom>
+            <a:noFill/>
+            <a:ln w="28575" cap="flat" cmpd="sng" algn="ctr">
+              <a:solidFill>
+                <a:srgbClr val="FF0000"/>
+              </a:solidFill>
+              <a:prstDash val="solid"/>
+              <a:round/>
+              <a:headEnd type="none" w="med" len="med"/>
+              <a:tailEnd type="none" w="med" len="med"/>
+            </a:ln>
+            <a:effectLst/>
+            <a:extLst/>
+          </p:spPr>
+          <p:txBody>
+            <a:bodyPr vert="horz" wrap="none" lIns="91426" tIns="45713" rIns="91426" bIns="45713" numCol="1" rtlCol="0" anchor="ctr" anchorCtr="0" compatLnSpc="1">
+              <a:prstTxWarp prst="textNoShape">
+                <a:avLst/>
+              </a:prstTxWarp>
+            </a:bodyPr>
+            <a:lstStyle/>
+            <a:p>
+              <a:pPr defTabSz="914251"/>
+              <a:endParaRPr lang="ja-JP" altLang="en-US">
+                <a:ln>
+                  <a:solidFill>
+                    <a:srgbClr val="FF5353"/>
+                  </a:solidFill>
+                </a:ln>
+              </a:endParaRPr>
+            </a:p>
+          </p:txBody>
+        </p:sp>
+        <p:sp>
+          <p:nvSpPr>
+            <p:cNvPr id="10" name="テキスト ボックス 9">
+              <a:extLst>
+                <a:ext uri="{FF2B5EF4-FFF2-40B4-BE49-F238E27FC236}">
+                  <a16:creationId xmlns="" xmlns:a16="http://schemas.microsoft.com/office/drawing/2014/main" id="{825F097D-4588-4F8F-AA42-B0D77B0F9CE3}"/>
+                </a:ext>
+              </a:extLst>
+            </p:cNvPr>
+            <p:cNvSpPr txBox="1"/>
+            <p:nvPr/>
+          </p:nvSpPr>
+          <p:spPr>
+            <a:xfrm>
+              <a:off x="536395" y="2897634"/>
+              <a:ext cx="1910712" cy="461651"/>
+            </a:xfrm>
+            <a:prstGeom prst="rect">
+              <a:avLst/>
+            </a:prstGeom>
+            <a:solidFill>
+              <a:srgbClr val="FFE7FF"/>
+            </a:solidFill>
+            <a:ln w="28575">
+              <a:solidFill>
+                <a:srgbClr val="FF0000"/>
+              </a:solidFill>
+            </a:ln>
+          </p:spPr>
+          <p:txBody>
+            <a:bodyPr wrap="square" lIns="91426" tIns="45713" rIns="91426" bIns="45713" rtlCol="0">
+              <a:spAutoFit/>
+            </a:bodyPr>
+            <a:lstStyle/>
+            <a:p>
+              <a:pPr algn="l"/>
+              <a:r>
+                <a:rPr kumimoji="1" lang="ja-JP" altLang="en-US" sz="2400" b="1" dirty="0"/>
+                <a:t>クラス構造</a:t>
+              </a:r>
+            </a:p>
+          </p:txBody>
+        </p:sp>
+      </p:grpSp>
+      <p:sp>
+        <p:nvSpPr>
+          <p:cNvPr id="11" name="テキスト ボックス 10">
+            <a:extLst>
+              <a:ext uri="{FF2B5EF4-FFF2-40B4-BE49-F238E27FC236}">
+                <a16:creationId xmlns="" xmlns:a16="http://schemas.microsoft.com/office/drawing/2014/main" id="{825F097D-4588-4F8F-AA42-B0D77B0F9CE3}"/>
+              </a:ext>
+            </a:extLst>
+          </p:cNvPr>
+          <p:cNvSpPr txBox="1"/>
+          <p:nvPr/>
+        </p:nvSpPr>
+        <p:spPr>
+          <a:xfrm>
+            <a:off x="9105347" y="273459"/>
+            <a:ext cx="1694688" cy="369318"/>
+          </a:xfrm>
+          <a:prstGeom prst="rect">
+            <a:avLst/>
+          </a:prstGeom>
+          <a:solidFill>
+            <a:srgbClr val="FFE7FF"/>
+          </a:solidFill>
+          <a:ln w="28575">
+            <a:solidFill>
+              <a:srgbClr val="FF0000"/>
+            </a:solidFill>
+          </a:ln>
+        </p:spPr>
+        <p:txBody>
+          <a:bodyPr wrap="square" lIns="91426" tIns="45713" rIns="91426" bIns="45713" rtlCol="0">
+            <a:spAutoFit/>
+          </a:bodyPr>
+          <a:lstStyle/>
+          <a:p>
+            <a:pPr algn="l"/>
+            <a:r>
+              <a:rPr kumimoji="1" lang="ja-JP" altLang="en-US" b="1" dirty="0"/>
+              <a:t>パッケージ説明</a:t>
+            </a:r>
+          </a:p>
+        </p:txBody>
+      </p:sp>
+    </p:spTree>
+    <p:extLst>
+      <p:ext uri="{BB962C8B-B14F-4D97-AF65-F5344CB8AC3E}">
+        <p14:creationId xmlns:p14="http://schemas.microsoft.com/office/powerpoint/2010/main" val="2709897343"/>
+      </p:ext>
+    </p:extLst>
+  </p:cSld>
+  <p:clrMapOvr>
+    <a:masterClrMapping/>
+  </p:clrMapOvr>
+</p:sld>
+</file>
+
+<file path=ppt/slides/slide5.xml><?xml version="1.0" encoding="utf-8"?>
+<p:sld xmlns:a="http://schemas.openxmlformats.org/drawingml/2006/main" xmlns:r="http://schemas.openxmlformats.org/officeDocument/2006/relationships" xmlns:p="http://schemas.openxmlformats.org/presentationml/2006/main">
+  <p:cSld>
+    <p:spTree>
+      <p:nvGrpSpPr>
+        <p:cNvPr id="1" name=""/>
+        <p:cNvGrpSpPr/>
+        <p:nvPr/>
+      </p:nvGrpSpPr>
+      <p:grpSpPr>
+        <a:xfrm>
+          <a:off x="0" y="0"/>
+          <a:ext cx="0" cy="0"/>
+          <a:chOff x="0" y="0"/>
+          <a:chExt cx="0" cy="0"/>
+        </a:xfrm>
+      </p:grpSpPr>
+      <p:pic>
+        <p:nvPicPr>
+          <p:cNvPr id="2052" name="Picture 4" descr="C:\Users\040553\Documents\ETロボコン\00モデル画像最終\sdコース復帰制御.emf"/>
+          <p:cNvPicPr>
+            <a:picLocks noChangeAspect="1" noChangeArrowheads="1"/>
+          </p:cNvPicPr>
+          <p:nvPr/>
+        </p:nvPicPr>
+        <p:blipFill rotWithShape="1">
+          <a:blip r:embed="rId2">
+            <a:extLst>
+              <a:ext uri="{28A0092B-C50C-407E-A947-70E740481C1C}">
+                <a14:useLocalDpi xmlns:a14="http://schemas.microsoft.com/office/drawing/2010/main" val="0"/>
+              </a:ext>
+            </a:extLst>
+          </a:blip>
+          <a:srcRect l="2742" t="1951" r="2267" b="1801"/>
+          <a:stretch/>
+        </p:blipFill>
+        <p:spPr bwMode="auto">
+          <a:xfrm>
+            <a:off x="5888029" y="395517"/>
+            <a:ext cx="4363547" cy="10183870"/>
+          </a:xfrm>
+          <a:prstGeom prst="rect">
+            <a:avLst/>
+          </a:prstGeom>
+          <a:noFill/>
+          <a:extLst>
+            <a:ext uri="{909E8E84-426E-40DD-AFC4-6F175D3DCCD1}">
+              <a14:hiddenFill xmlns:a14="http://schemas.microsoft.com/office/drawing/2010/main">
+                <a:solidFill>
+                  <a:srgbClr val="FFFFFF"/>
+                </a:solidFill>
+              </a14:hiddenFill>
+            </a:ext>
+          </a:extLst>
+        </p:spPr>
+      </p:pic>
+      <p:pic>
+        <p:nvPicPr>
+          <p:cNvPr id="2051" name="Picture 3" descr="C:\Users\040553\Documents\ETロボコン\00モデル画像最終\sdライントレース.emf"/>
+          <p:cNvPicPr>
+            <a:picLocks noChangeAspect="1" noChangeArrowheads="1"/>
+          </p:cNvPicPr>
+          <p:nvPr/>
+        </p:nvPicPr>
+        <p:blipFill rotWithShape="1">
+          <a:blip r:embed="rId3">
+            <a:extLst>
+              <a:ext uri="{28A0092B-C50C-407E-A947-70E740481C1C}">
+                <a14:useLocalDpi xmlns:a14="http://schemas.microsoft.com/office/drawing/2010/main" val="0"/>
+              </a:ext>
+            </a:extLst>
+          </a:blip>
+          <a:srcRect l="3735" t="6091" r="2347" b="4987"/>
+          <a:stretch/>
+        </p:blipFill>
+        <p:spPr bwMode="auto">
+          <a:xfrm>
+            <a:off x="150046" y="7062095"/>
+            <a:ext cx="4248000" cy="3465540"/>
+          </a:xfrm>
+          <a:prstGeom prst="rect">
+            <a:avLst/>
+          </a:prstGeom>
+          <a:noFill/>
+          <a:extLst>
+            <a:ext uri="{909E8E84-426E-40DD-AFC4-6F175D3DCCD1}">
+              <a14:hiddenFill xmlns:a14="http://schemas.microsoft.com/office/drawing/2010/main">
+                <a:solidFill>
+                  <a:srgbClr val="FFFFFF"/>
+                </a:solidFill>
+              </a14:hiddenFill>
+            </a:ext>
+          </a:extLst>
+        </p:spPr>
+      </p:pic>
+      <p:pic>
+        <p:nvPicPr>
+          <p:cNvPr id="2050" name="Picture 2" descr="C:\Users\040553\Documents\ETロボコン\00モデル画像最終\sd制御モード.emf"/>
+          <p:cNvPicPr>
+            <a:picLocks noChangeAspect="1" noChangeArrowheads="1"/>
+          </p:cNvPicPr>
+          <p:nvPr/>
+        </p:nvPicPr>
+        <p:blipFill rotWithShape="1">
+          <a:blip r:embed="rId4">
+            <a:extLst>
+              <a:ext uri="{28A0092B-C50C-407E-A947-70E740481C1C}">
+                <a14:useLocalDpi xmlns:a14="http://schemas.microsoft.com/office/drawing/2010/main" val="0"/>
+              </a:ext>
+            </a:extLst>
+          </a:blip>
+          <a:srcRect l="5275" t="9862" r="3294" b="10138"/>
+          <a:stretch/>
+        </p:blipFill>
+        <p:spPr bwMode="auto">
+          <a:xfrm>
+            <a:off x="317924" y="3637605"/>
+            <a:ext cx="3098815" cy="2688368"/>
+          </a:xfrm>
+          <a:prstGeom prst="rect">
+            <a:avLst/>
+          </a:prstGeom>
+          <a:noFill/>
+          <a:extLst>
+            <a:ext uri="{909E8E84-426E-40DD-AFC4-6F175D3DCCD1}">
+              <a14:hiddenFill xmlns:a14="http://schemas.microsoft.com/office/drawing/2010/main">
+                <a:solidFill>
+                  <a:srgbClr val="FFFFFF"/>
+                </a:solidFill>
+              </a14:hiddenFill>
+            </a:ext>
+          </a:extLst>
+        </p:spPr>
+      </p:pic>
+      <p:grpSp>
+        <p:nvGrpSpPr>
+          <p:cNvPr id="35" name="グループ化 34">
+            <a:extLst>
+              <a:ext uri="{FF2B5EF4-FFF2-40B4-BE49-F238E27FC236}">
+                <a16:creationId xmlns="" xmlns:a16="http://schemas.microsoft.com/office/drawing/2014/main" id="{7B458B15-DB0F-4C7C-B5AE-49F4381C2E33}"/>
+              </a:ext>
+            </a:extLst>
+          </p:cNvPr>
+          <p:cNvGrpSpPr/>
+          <p:nvPr/>
+        </p:nvGrpSpPr>
+        <p:grpSpPr>
+          <a:xfrm>
+            <a:off x="10895197" y="88192"/>
+            <a:ext cx="3991622" cy="3529522"/>
+            <a:chOff x="10459042" y="88192"/>
+            <a:chExt cx="3991622" cy="3529522"/>
           </a:xfrm>
         </p:grpSpPr>
         <p:pic>
           <p:nvPicPr>
-            <p:cNvPr id="15" name="図 14">
+            <p:cNvPr id="16" name="図 15">
               <a:extLst>
                 <a:ext uri="{FF2B5EF4-FFF2-40B4-BE49-F238E27FC236}">
-                  <a16:creationId xmlns:a16="http://schemas.microsoft.com/office/drawing/2014/main" xmlns="" id="{5553EC32-F943-4809-AAD1-421FA5288599}"/>
+                  <a16:creationId xmlns="" xmlns:a16="http://schemas.microsoft.com/office/drawing/2014/main" id="{DDFF7D04-638E-46BD-A024-640C8F448AA3}"/>
                 </a:ext>
               </a:extLst>
             </p:cNvPr>
@@ -16457,20 +16222,20 @@
             <p:nvPr/>
           </p:nvPicPr>
           <p:blipFill rotWithShape="1">
-            <a:blip r:embed="rId4">
+            <a:blip r:embed="rId5">
               <a:extLst>
                 <a:ext uri="{28A0092B-C50C-407E-A947-70E740481C1C}">
                   <a14:useLocalDpi xmlns:a14="http://schemas.microsoft.com/office/drawing/2010/main" val="0"/>
                 </a:ext>
               </a:extLst>
             </a:blip>
-            <a:srcRect l="3242" t="9802" r="3609" b="5833"/>
+            <a:srcRect l="7142" t="10020" r="3823" b="9001"/>
             <a:stretch/>
           </p:blipFill>
           <p:spPr>
             <a:xfrm>
-              <a:off x="801281" y="2328323"/>
-              <a:ext cx="2911732" cy="2555693"/>
+              <a:off x="10494827" y="512714"/>
+              <a:ext cx="3955837" cy="3010258"/>
             </a:xfrm>
             <a:prstGeom prst="rect">
               <a:avLst/>
@@ -16479,24 +16244,24 @@
         </p:pic>
         <p:grpSp>
           <p:nvGrpSpPr>
-            <p:cNvPr id="4" name="グループ化 3"/>
+            <p:cNvPr id="3" name="グループ化 2"/>
             <p:cNvGrpSpPr/>
             <p:nvPr/>
           </p:nvGrpSpPr>
           <p:grpSpPr>
             <a:xfrm>
-              <a:off x="718915" y="1817514"/>
-              <a:ext cx="3088110" cy="3024336"/>
-              <a:chOff x="79077" y="1860891"/>
-              <a:chExt cx="4816302" cy="5110761"/>
+              <a:off x="10459042" y="88192"/>
+              <a:ext cx="3991621" cy="3529522"/>
+              <a:chOff x="508282" y="6234869"/>
+              <a:chExt cx="3991621" cy="3756672"/>
             </a:xfrm>
           </p:grpSpPr>
           <p:sp>
             <p:nvSpPr>
-              <p:cNvPr id="21" name="四角形: 角を丸くする 2">
+              <p:cNvPr id="23" name="四角形: 角を丸くする 2">
                 <a:extLst>
                   <a:ext uri="{FF2B5EF4-FFF2-40B4-BE49-F238E27FC236}">
-                    <a16:creationId xmlns:a16="http://schemas.microsoft.com/office/drawing/2014/main" xmlns="" id="{2B99B1EA-17D2-4495-A343-2A1713BC8495}"/>
+                    <a16:creationId xmlns="" xmlns:a16="http://schemas.microsoft.com/office/drawing/2014/main" id="{2B99B1EA-17D2-4495-A343-2A1713BC8495}"/>
                   </a:ext>
                 </a:extLst>
               </p:cNvPr>
@@ -16505,8 +16270,8 @@
             </p:nvSpPr>
             <p:spPr bwMode="auto">
               <a:xfrm>
-                <a:off x="79077" y="2159738"/>
-                <a:ext cx="4816302" cy="4811914"/>
+                <a:off x="508282" y="6452351"/>
+                <a:ext cx="3991621" cy="3539190"/>
               </a:xfrm>
               <a:prstGeom prst="roundRect">
                 <a:avLst>
@@ -16547,10 +16312,10 @@
           </p:sp>
           <p:sp>
             <p:nvSpPr>
-              <p:cNvPr id="22" name="テキスト ボックス 21">
+              <p:cNvPr id="24" name="テキスト ボックス 23">
                 <a:extLst>
                   <a:ext uri="{FF2B5EF4-FFF2-40B4-BE49-F238E27FC236}">
-                    <a16:creationId xmlns:a16="http://schemas.microsoft.com/office/drawing/2014/main" xmlns="" id="{825F097D-4588-4F8F-AA42-B0D77B0F9CE3}"/>
+                    <a16:creationId xmlns="" xmlns:a16="http://schemas.microsoft.com/office/drawing/2014/main" id="{825F097D-4588-4F8F-AA42-B0D77B0F9CE3}"/>
                   </a:ext>
                 </a:extLst>
               </p:cNvPr>
@@ -16559,8 +16324,8 @@
             </p:nvSpPr>
             <p:spPr>
               <a:xfrm>
-                <a:off x="373125" y="1860891"/>
-                <a:ext cx="4336602" cy="624103"/>
+                <a:off x="633725" y="6234869"/>
+                <a:ext cx="3012127" cy="369318"/>
               </a:xfrm>
               <a:prstGeom prst="rect">
                 <a:avLst/>
@@ -16583,19 +16348,319 @@
                 <a:pPr algn="l"/>
                 <a:r>
                   <a:rPr kumimoji="1" lang="ja-JP" altLang="en-US" b="1" dirty="0"/>
-                  <a:t>各制御モードの処理フロー</a:t>
+                  <a:t>自己位置推定の処理フロー</a:t>
                 </a:r>
               </a:p>
             </p:txBody>
           </p:sp>
         </p:grpSp>
       </p:grpSp>
+      <p:pic>
+        <p:nvPicPr>
+          <p:cNvPr id="12" name="Picture 2"/>
+          <p:cNvPicPr>
+            <a:picLocks noChangeAspect="1" noChangeArrowheads="1"/>
+          </p:cNvPicPr>
+          <p:nvPr/>
+        </p:nvPicPr>
+        <p:blipFill>
+          <a:blip r:embed="rId6">
+            <a:extLst>
+              <a:ext uri="{28A0092B-C50C-407E-A947-70E740481C1C}">
+                <a14:useLocalDpi xmlns:a14="http://schemas.microsoft.com/office/drawing/2010/main" val="0"/>
+              </a:ext>
+            </a:extLst>
+          </a:blip>
+          <a:srcRect/>
+          <a:stretch>
+            <a:fillRect/>
+          </a:stretch>
+        </p:blipFill>
+        <p:spPr bwMode="auto">
+          <a:xfrm rot="20170630">
+            <a:off x="148768" y="863613"/>
+            <a:ext cx="1053100" cy="1053098"/>
+          </a:xfrm>
+          <a:prstGeom prst="rect">
+            <a:avLst/>
+          </a:prstGeom>
+          <a:noFill/>
+          <a:ln>
+            <a:noFill/>
+          </a:ln>
+          <a:effectLst/>
+          <a:extLst>
+            <a:ext uri="{909E8E84-426E-40DD-AFC4-6F175D3DCCD1}">
+              <a14:hiddenFill xmlns:a14="http://schemas.microsoft.com/office/drawing/2010/main">
+                <a:solidFill>
+                  <a:schemeClr val="accent1"/>
+                </a:solidFill>
+              </a14:hiddenFill>
+            </a:ext>
+            <a:ext uri="{91240B29-F687-4F45-9708-019B960494DF}">
+              <a14:hiddenLine xmlns:a14="http://schemas.microsoft.com/office/drawing/2010/main" w="9525">
+                <a:solidFill>
+                  <a:schemeClr val="tx1"/>
+                </a:solidFill>
+                <a:miter lim="800000"/>
+                <a:headEnd/>
+                <a:tailEnd/>
+              </a14:hiddenLine>
+            </a:ext>
+            <a:ext uri="{AF507438-7753-43E0-B8FC-AC1667EBCBE1}">
+              <a14:hiddenEffects xmlns:a14="http://schemas.microsoft.com/office/drawing/2010/main">
+                <a:effectLst>
+                  <a:outerShdw dist="35921" dir="2700000" algn="ctr" rotWithShape="0">
+                    <a:schemeClr val="bg2"/>
+                  </a:outerShdw>
+                </a:effectLst>
+              </a14:hiddenEffects>
+            </a:ext>
+          </a:extLst>
+        </p:spPr>
+      </p:pic>
+      <p:sp>
+        <p:nvSpPr>
+          <p:cNvPr id="18" name="テキスト ボックス 17">
+            <a:extLst>
+              <a:ext uri="{FF2B5EF4-FFF2-40B4-BE49-F238E27FC236}">
+                <a16:creationId xmlns="" xmlns:a16="http://schemas.microsoft.com/office/drawing/2014/main" id="{6D709A13-6AAF-442E-AD6F-978BDC42B238}"/>
+              </a:ext>
+            </a:extLst>
+          </p:cNvPr>
+          <p:cNvSpPr txBox="1"/>
+          <p:nvPr/>
+        </p:nvSpPr>
+        <p:spPr>
+          <a:xfrm>
+            <a:off x="554629" y="1220885"/>
+            <a:ext cx="3901808" cy="2062089"/>
+          </a:xfrm>
+          <a:prstGeom prst="rect">
+            <a:avLst/>
+          </a:prstGeom>
+          <a:noFill/>
+        </p:spPr>
+        <p:txBody>
+          <a:bodyPr wrap="square" lIns="91426" tIns="45713" rIns="91426" bIns="45713" rtlCol="0">
+            <a:spAutoFit/>
+          </a:bodyPr>
+          <a:lstStyle/>
+          <a:p>
+            <a:pPr algn="l"/>
+            <a:r>
+              <a:rPr kumimoji="1" lang="ja-JP" altLang="en-US" sz="1600" dirty="0"/>
+              <a:t>「</a:t>
+            </a:r>
+            <a:r>
+              <a:rPr kumimoji="1" lang="en-US" altLang="ja-JP" sz="1600" dirty="0"/>
+              <a:t>4. </a:t>
+            </a:r>
+            <a:r>
+              <a:rPr kumimoji="1" lang="ja-JP" altLang="en-US" sz="1600" dirty="0"/>
+              <a:t>構造設計」で示したそれぞれのクラスの</a:t>
+            </a:r>
+            <a:endParaRPr kumimoji="1" lang="en-US" altLang="ja-JP" sz="1600" dirty="0"/>
+          </a:p>
+          <a:p>
+            <a:pPr algn="l"/>
+            <a:r>
+              <a:rPr kumimoji="1" lang="ja-JP" altLang="en-US" sz="1600" dirty="0"/>
+              <a:t>シーケンス図を以下に示す。</a:t>
+            </a:r>
+            <a:endParaRPr kumimoji="1" lang="en-US" altLang="ja-JP" sz="1600" dirty="0"/>
+          </a:p>
+          <a:p>
+            <a:pPr algn="l"/>
+            <a:r>
+              <a:rPr kumimoji="1" lang="ja-JP" altLang="en-US" sz="1600" dirty="0"/>
+              <a:t>ここではコースを完走するために必要な</a:t>
+            </a:r>
+            <a:r>
+              <a:rPr kumimoji="1" lang="ja-JP" altLang="en-US" sz="1600" b="1" dirty="0"/>
+              <a:t>ライントレース</a:t>
+            </a:r>
+            <a:r>
+              <a:rPr kumimoji="1" lang="ja-JP" altLang="en-US" sz="1600" dirty="0"/>
+              <a:t>と、私たちのアピールポイントの</a:t>
+            </a:r>
+            <a:r>
+              <a:rPr kumimoji="1" lang="ja-JP" altLang="en-US" sz="1600" b="1" dirty="0"/>
+              <a:t>コース復帰制御</a:t>
+            </a:r>
+            <a:r>
+              <a:rPr kumimoji="1" lang="ja-JP" altLang="en-US" sz="1600" dirty="0"/>
+              <a:t>のシーケンス図の記載だけに限らせていただいた。自動キャリブレーション、</a:t>
+            </a:r>
+            <a:r>
+              <a:rPr kumimoji="1" lang="en-US" altLang="ja-JP" sz="1600" dirty="0"/>
+              <a:t>Bluetooth</a:t>
+            </a:r>
+            <a:r>
+              <a:rPr kumimoji="1" lang="ja-JP" altLang="en-US" sz="1600" dirty="0"/>
+              <a:t>スタートについては省略した。</a:t>
+            </a:r>
+            <a:endParaRPr kumimoji="1" lang="en-US" altLang="ja-JP" sz="1600" dirty="0"/>
+          </a:p>
+        </p:txBody>
+      </p:sp>
+      <p:sp>
+        <p:nvSpPr>
+          <p:cNvPr id="2" name="タイトル 1">
+            <a:extLst>
+              <a:ext uri="{FF2B5EF4-FFF2-40B4-BE49-F238E27FC236}">
+                <a16:creationId xmlns="" xmlns:a16="http://schemas.microsoft.com/office/drawing/2014/main" id="{6F2F6225-A22A-40FF-9D68-4EE3CAB7BDAB}"/>
+              </a:ext>
+            </a:extLst>
+          </p:cNvPr>
+          <p:cNvSpPr>
+            <a:spLocks noGrp="1"/>
+          </p:cNvSpPr>
+          <p:nvPr>
+            <p:ph type="title"/>
+          </p:nvPr>
+        </p:nvSpPr>
+        <p:spPr>
+          <a:xfrm>
+            <a:off x="-1" y="1"/>
+            <a:ext cx="5760000" cy="1025426"/>
+          </a:xfrm>
+        </p:spPr>
+        <p:txBody>
+          <a:bodyPr>
+            <a:normAutofit/>
+          </a:bodyPr>
+          <a:lstStyle/>
+          <a:p>
+            <a:r>
+              <a:rPr kumimoji="1" lang="en-US" altLang="ja-JP" sz="4300" dirty="0"/>
+              <a:t>5. </a:t>
+            </a:r>
+            <a:r>
+              <a:rPr kumimoji="1" lang="ja-JP" altLang="en-US" sz="4300" dirty="0"/>
+              <a:t>振る舞い設計</a:t>
+            </a:r>
+          </a:p>
+        </p:txBody>
+      </p:sp>
+      <p:grpSp>
+        <p:nvGrpSpPr>
+          <p:cNvPr id="4" name="グループ化 3"/>
+          <p:cNvGrpSpPr/>
+          <p:nvPr/>
+        </p:nvGrpSpPr>
+        <p:grpSpPr>
+          <a:xfrm>
+            <a:off x="356059" y="3287516"/>
+            <a:ext cx="3088110" cy="3024336"/>
+            <a:chOff x="79077" y="1860891"/>
+            <a:chExt cx="4816302" cy="5110761"/>
+          </a:xfrm>
+        </p:grpSpPr>
+        <p:sp>
+          <p:nvSpPr>
+            <p:cNvPr id="21" name="四角形: 角を丸くする 2">
+              <a:extLst>
+                <a:ext uri="{FF2B5EF4-FFF2-40B4-BE49-F238E27FC236}">
+                  <a16:creationId xmlns="" xmlns:a16="http://schemas.microsoft.com/office/drawing/2014/main" id="{2B99B1EA-17D2-4495-A343-2A1713BC8495}"/>
+                </a:ext>
+              </a:extLst>
+            </p:cNvPr>
+            <p:cNvSpPr/>
+            <p:nvPr/>
+          </p:nvSpPr>
+          <p:spPr bwMode="auto">
+            <a:xfrm>
+              <a:off x="79077" y="2159738"/>
+              <a:ext cx="4816302" cy="4811914"/>
+            </a:xfrm>
+            <a:prstGeom prst="roundRect">
+              <a:avLst>
+                <a:gd name="adj" fmla="val 5155"/>
+              </a:avLst>
+            </a:prstGeom>
+            <a:noFill/>
+            <a:ln w="28575" cap="flat" cmpd="sng" algn="ctr">
+              <a:solidFill>
+                <a:srgbClr val="FF0000"/>
+              </a:solidFill>
+              <a:prstDash val="solid"/>
+              <a:round/>
+              <a:headEnd type="none" w="med" len="med"/>
+              <a:tailEnd type="none" w="med" len="med"/>
+            </a:ln>
+            <a:effectLst/>
+            <a:extLst/>
+          </p:spPr>
+          <p:txBody>
+            <a:bodyPr vert="horz" wrap="none" lIns="91426" tIns="45713" rIns="91426" bIns="45713" numCol="1" rtlCol="0" anchor="ctr" anchorCtr="0" compatLnSpc="1">
+              <a:prstTxWarp prst="textNoShape">
+                <a:avLst/>
+              </a:prstTxWarp>
+            </a:bodyPr>
+            <a:lstStyle/>
+            <a:p>
+              <a:pPr defTabSz="914251"/>
+              <a:endParaRPr lang="ja-JP" altLang="en-US">
+                <a:ln>
+                  <a:solidFill>
+                    <a:srgbClr val="FF5353"/>
+                  </a:solidFill>
+                </a:ln>
+              </a:endParaRPr>
+            </a:p>
+          </p:txBody>
+        </p:sp>
+        <p:sp>
+          <p:nvSpPr>
+            <p:cNvPr id="22" name="テキスト ボックス 21">
+              <a:extLst>
+                <a:ext uri="{FF2B5EF4-FFF2-40B4-BE49-F238E27FC236}">
+                  <a16:creationId xmlns="" xmlns:a16="http://schemas.microsoft.com/office/drawing/2014/main" id="{825F097D-4588-4F8F-AA42-B0D77B0F9CE3}"/>
+                </a:ext>
+              </a:extLst>
+            </p:cNvPr>
+            <p:cNvSpPr txBox="1"/>
+            <p:nvPr/>
+          </p:nvSpPr>
+          <p:spPr>
+            <a:xfrm>
+              <a:off x="373125" y="1860891"/>
+              <a:ext cx="4336602" cy="624103"/>
+            </a:xfrm>
+            <a:prstGeom prst="rect">
+              <a:avLst/>
+            </a:prstGeom>
+            <a:solidFill>
+              <a:srgbClr val="FFE7FF"/>
+            </a:solidFill>
+            <a:ln w="28575">
+              <a:solidFill>
+                <a:srgbClr val="FF0000"/>
+              </a:solidFill>
+            </a:ln>
+          </p:spPr>
+          <p:txBody>
+            <a:bodyPr wrap="square" lIns="91426" tIns="45713" rIns="91426" bIns="45713" rtlCol="0">
+              <a:spAutoFit/>
+            </a:bodyPr>
+            <a:lstStyle/>
+            <a:p>
+              <a:pPr algn="l"/>
+              <a:r>
+                <a:rPr kumimoji="1" lang="ja-JP" altLang="en-US" b="1" dirty="0"/>
+                <a:t>各制御モードの処理フロー</a:t>
+              </a:r>
+            </a:p>
+          </p:txBody>
+        </p:sp>
+      </p:grpSp>
       <p:grpSp>
         <p:nvGrpSpPr>
           <p:cNvPr id="32" name="グループ化 31">
             <a:extLst>
               <a:ext uri="{FF2B5EF4-FFF2-40B4-BE49-F238E27FC236}">
-                <a16:creationId xmlns:a16="http://schemas.microsoft.com/office/drawing/2014/main" xmlns="" id="{FCB04DD8-2413-49D1-AB6E-9A199C869A36}"/>
+                <a16:creationId xmlns="" xmlns:a16="http://schemas.microsoft.com/office/drawing/2014/main" id="{FCB04DD8-2413-49D1-AB6E-9A199C869A36}"/>
               </a:ext>
             </a:extLst>
           </p:cNvPr>
@@ -16615,7 +16680,7 @@
             <p:cNvPr id="30" name="図 29">
               <a:extLst>
                 <a:ext uri="{FF2B5EF4-FFF2-40B4-BE49-F238E27FC236}">
-                  <a16:creationId xmlns:a16="http://schemas.microsoft.com/office/drawing/2014/main" xmlns="" id="{9C0EF90E-4433-4E41-A1CB-8DA4372B18D9}"/>
+                  <a16:creationId xmlns="" xmlns:a16="http://schemas.microsoft.com/office/drawing/2014/main" id="{9C0EF90E-4433-4E41-A1CB-8DA4372B18D9}"/>
                 </a:ext>
               </a:extLst>
             </p:cNvPr>
@@ -16625,7 +16690,7 @@
             <p:nvPr/>
           </p:nvPicPr>
           <p:blipFill rotWithShape="1">
-            <a:blip r:embed="rId5">
+            <a:blip r:embed="rId7">
               <a:extLst>
                 <a:ext uri="{28A0092B-C50C-407E-A947-70E740481C1C}">
                   <a14:useLocalDpi xmlns:a14="http://schemas.microsoft.com/office/drawing/2010/main" val="0"/>
@@ -16664,7 +16729,7 @@
               <p:cNvPr id="25" name="四角形: 角を丸くする 2">
                 <a:extLst>
                   <a:ext uri="{FF2B5EF4-FFF2-40B4-BE49-F238E27FC236}">
-                    <a16:creationId xmlns:a16="http://schemas.microsoft.com/office/drawing/2014/main" xmlns="" id="{2B99B1EA-17D2-4495-A343-2A1713BC8495}"/>
+                    <a16:creationId xmlns="" xmlns:a16="http://schemas.microsoft.com/office/drawing/2014/main" id="{2B99B1EA-17D2-4495-A343-2A1713BC8495}"/>
                   </a:ext>
                 </a:extLst>
               </p:cNvPr>
@@ -16718,7 +16783,7 @@
               <p:cNvPr id="26" name="テキスト ボックス 25">
                 <a:extLst>
                   <a:ext uri="{FF2B5EF4-FFF2-40B4-BE49-F238E27FC236}">
-                    <a16:creationId xmlns:a16="http://schemas.microsoft.com/office/drawing/2014/main" xmlns="" id="{825F097D-4588-4F8F-AA42-B0D77B0F9CE3}"/>
+                    <a16:creationId xmlns="" xmlns:a16="http://schemas.microsoft.com/office/drawing/2014/main" id="{825F097D-4588-4F8F-AA42-B0D77B0F9CE3}"/>
                   </a:ext>
                 </a:extLst>
               </p:cNvPr>
@@ -16760,10 +16825,10 @@
       </p:grpSp>
       <p:grpSp>
         <p:nvGrpSpPr>
-          <p:cNvPr id="8" name="グループ化 7">
+          <p:cNvPr id="39" name="グループ化 38">
             <a:extLst>
               <a:ext uri="{FF2B5EF4-FFF2-40B4-BE49-F238E27FC236}">
-                <a16:creationId xmlns:a16="http://schemas.microsoft.com/office/drawing/2014/main" xmlns="" id="{5948D29C-8DF6-40C8-8ADB-EDDB1BA3B536}"/>
+                <a16:creationId xmlns="" xmlns:a16="http://schemas.microsoft.com/office/drawing/2014/main" id="{8E7C5510-9643-45E4-AC51-A7DE061CEFFE}"/>
               </a:ext>
             </a:extLst>
           </p:cNvPr>
@@ -16773,174 +16838,112 @@
         <p:grpSpPr>
           <a:xfrm>
             <a:off x="99675" y="6611607"/>
-            <a:ext cx="4386843" cy="3990883"/>
-            <a:chOff x="99675" y="5171448"/>
-            <a:chExt cx="4386843" cy="3990883"/>
+            <a:ext cx="4386843" cy="3988756"/>
+            <a:chOff x="25399" y="4806496"/>
+            <a:chExt cx="4462993" cy="3988756"/>
           </a:xfrm>
         </p:grpSpPr>
-        <p:pic>
-          <p:nvPicPr>
-            <p:cNvPr id="44" name="図 43">
+        <p:sp>
+          <p:nvSpPr>
+            <p:cNvPr id="37" name="四角形: 角を丸くする 2">
               <a:extLst>
                 <a:ext uri="{FF2B5EF4-FFF2-40B4-BE49-F238E27FC236}">
-                  <a16:creationId xmlns:a16="http://schemas.microsoft.com/office/drawing/2014/main" xmlns="" id="{80845A24-C330-4C32-A274-30CFDCE8BB36}"/>
+                  <a16:creationId xmlns="" xmlns:a16="http://schemas.microsoft.com/office/drawing/2014/main" id="{AB998B0E-1358-4DA8-8A8C-4C281FB91274}"/>
                 </a:ext>
               </a:extLst>
             </p:cNvPr>
-            <p:cNvPicPr>
-              <a:picLocks noChangeAspect="1"/>
-            </p:cNvPicPr>
+            <p:cNvSpPr/>
             <p:nvPr/>
-          </p:nvPicPr>
-          <p:blipFill rotWithShape="1">
-            <a:blip r:embed="rId6">
+          </p:nvSpPr>
+          <p:spPr bwMode="auto">
+            <a:xfrm>
+              <a:off x="25399" y="4983342"/>
+              <a:ext cx="4462993" cy="3811910"/>
+            </a:xfrm>
+            <a:prstGeom prst="roundRect">
+              <a:avLst>
+                <a:gd name="adj" fmla="val 5155"/>
+              </a:avLst>
+            </a:prstGeom>
+            <a:noFill/>
+            <a:ln w="28575" cap="flat" cmpd="sng" algn="ctr">
+              <a:solidFill>
+                <a:srgbClr val="FF0000"/>
+              </a:solidFill>
+              <a:prstDash val="solid"/>
+              <a:round/>
+              <a:headEnd type="none" w="med" len="med"/>
+              <a:tailEnd type="none" w="med" len="med"/>
+            </a:ln>
+            <a:effectLst/>
+            <a:extLst/>
+          </p:spPr>
+          <p:txBody>
+            <a:bodyPr vert="horz" wrap="none" lIns="91426" tIns="45713" rIns="91426" bIns="45713" numCol="1" rtlCol="0" anchor="ctr" anchorCtr="0" compatLnSpc="1">
+              <a:prstTxWarp prst="textNoShape">
+                <a:avLst/>
+              </a:prstTxWarp>
+            </a:bodyPr>
+            <a:lstStyle/>
+            <a:p>
+              <a:pPr defTabSz="914251"/>
+              <a:endParaRPr lang="ja-JP" altLang="en-US">
+                <a:ln>
+                  <a:solidFill>
+                    <a:srgbClr val="FF5353"/>
+                  </a:solidFill>
+                </a:ln>
+              </a:endParaRPr>
+            </a:p>
+          </p:txBody>
+        </p:sp>
+        <p:sp>
+          <p:nvSpPr>
+            <p:cNvPr id="38" name="テキスト ボックス 37">
               <a:extLst>
-                <a:ext uri="{28A0092B-C50C-407E-A947-70E740481C1C}">
-                  <a14:useLocalDpi xmlns:a14="http://schemas.microsoft.com/office/drawing/2010/main" val="0"/>
+                <a:ext uri="{FF2B5EF4-FFF2-40B4-BE49-F238E27FC236}">
+                  <a16:creationId xmlns="" xmlns:a16="http://schemas.microsoft.com/office/drawing/2014/main" id="{54BDB8B6-53B7-417A-B676-887F16A58B24}"/>
                 </a:ext>
               </a:extLst>
-            </a:blip>
-            <a:srcRect l="3686" t="5792" r="2750" b="4638"/>
-            <a:stretch/>
-          </p:blipFill>
+            </p:cNvPr>
+            <p:cNvSpPr txBox="1"/>
+            <p:nvPr/>
+          </p:nvSpPr>
           <p:spPr>
             <a:xfrm>
-              <a:off x="99675" y="5627177"/>
-              <a:ext cx="4287278" cy="3535154"/>
+              <a:off x="188537" y="4806496"/>
+              <a:ext cx="2884365" cy="369318"/>
             </a:xfrm>
             <a:prstGeom prst="rect">
               <a:avLst/>
             </a:prstGeom>
+            <a:solidFill>
+              <a:srgbClr val="FFE7FF"/>
+            </a:solidFill>
+            <a:ln w="28575">
+              <a:solidFill>
+                <a:srgbClr val="FF0000"/>
+              </a:solidFill>
+            </a:ln>
           </p:spPr>
-        </p:pic>
-        <p:grpSp>
-          <p:nvGrpSpPr>
-            <p:cNvPr id="39" name="グループ化 38">
-              <a:extLst>
-                <a:ext uri="{FF2B5EF4-FFF2-40B4-BE49-F238E27FC236}">
-                  <a16:creationId xmlns:a16="http://schemas.microsoft.com/office/drawing/2014/main" xmlns="" id="{8E7C5510-9643-45E4-AC51-A7DE061CEFFE}"/>
-                </a:ext>
-              </a:extLst>
-            </p:cNvPr>
-            <p:cNvGrpSpPr/>
-            <p:nvPr/>
-          </p:nvGrpSpPr>
-          <p:grpSpPr>
-            <a:xfrm>
-              <a:off x="99675" y="5171448"/>
-              <a:ext cx="4386843" cy="3988756"/>
-              <a:chOff x="25399" y="4806496"/>
-              <a:chExt cx="4462993" cy="3988756"/>
-            </a:xfrm>
-          </p:grpSpPr>
-          <p:sp>
-            <p:nvSpPr>
-              <p:cNvPr id="37" name="四角形: 角を丸くする 2">
-                <a:extLst>
-                  <a:ext uri="{FF2B5EF4-FFF2-40B4-BE49-F238E27FC236}">
-                    <a16:creationId xmlns:a16="http://schemas.microsoft.com/office/drawing/2014/main" xmlns="" id="{AB998B0E-1358-4DA8-8A8C-4C281FB91274}"/>
-                  </a:ext>
-                </a:extLst>
-              </p:cNvPr>
-              <p:cNvSpPr/>
-              <p:nvPr/>
-            </p:nvSpPr>
-            <p:spPr bwMode="auto">
-              <a:xfrm>
-                <a:off x="25399" y="4983342"/>
-                <a:ext cx="4462993" cy="3811910"/>
-              </a:xfrm>
-              <a:prstGeom prst="roundRect">
-                <a:avLst>
-                  <a:gd name="adj" fmla="val 5155"/>
-                </a:avLst>
-              </a:prstGeom>
-              <a:noFill/>
-              <a:ln w="28575" cap="flat" cmpd="sng" algn="ctr">
-                <a:solidFill>
-                  <a:srgbClr val="FF0000"/>
-                </a:solidFill>
-                <a:prstDash val="solid"/>
-                <a:round/>
-                <a:headEnd type="none" w="med" len="med"/>
-                <a:tailEnd type="none" w="med" len="med"/>
-              </a:ln>
-              <a:effectLst/>
-              <a:extLst/>
-            </p:spPr>
-            <p:txBody>
-              <a:bodyPr vert="horz" wrap="none" lIns="91426" tIns="45713" rIns="91426" bIns="45713" numCol="1" rtlCol="0" anchor="ctr" anchorCtr="0" compatLnSpc="1">
-                <a:prstTxWarp prst="textNoShape">
-                  <a:avLst/>
-                </a:prstTxWarp>
-              </a:bodyPr>
-              <a:lstStyle/>
-              <a:p>
-                <a:pPr defTabSz="914251"/>
-                <a:endParaRPr lang="ja-JP" altLang="en-US">
-                  <a:ln>
-                    <a:solidFill>
-                      <a:srgbClr val="FF5353"/>
-                    </a:solidFill>
-                  </a:ln>
-                </a:endParaRPr>
-              </a:p>
-            </p:txBody>
-          </p:sp>
-          <p:sp>
-            <p:nvSpPr>
-              <p:cNvPr id="38" name="テキスト ボックス 37">
-                <a:extLst>
-                  <a:ext uri="{FF2B5EF4-FFF2-40B4-BE49-F238E27FC236}">
-                    <a16:creationId xmlns:a16="http://schemas.microsoft.com/office/drawing/2014/main" xmlns="" id="{54BDB8B6-53B7-417A-B676-887F16A58B24}"/>
-                  </a:ext>
-                </a:extLst>
-              </p:cNvPr>
-              <p:cNvSpPr txBox="1"/>
-              <p:nvPr/>
-            </p:nvSpPr>
-            <p:spPr>
-              <a:xfrm>
-                <a:off x="188537" y="4806496"/>
-                <a:ext cx="2884365" cy="369318"/>
-              </a:xfrm>
-              <a:prstGeom prst="rect">
-                <a:avLst/>
-              </a:prstGeom>
-              <a:solidFill>
-                <a:srgbClr val="FFE7FF"/>
-              </a:solidFill>
-              <a:ln w="28575">
-                <a:solidFill>
-                  <a:srgbClr val="FF0000"/>
-                </a:solidFill>
-              </a:ln>
-            </p:spPr>
-            <p:txBody>
-              <a:bodyPr wrap="square" lIns="91426" tIns="45713" rIns="91426" bIns="45713" rtlCol="0">
-                <a:spAutoFit/>
-              </a:bodyPr>
-              <a:lstStyle/>
-              <a:p>
-                <a:pPr algn="l"/>
-                <a:r>
-                  <a:rPr kumimoji="1" lang="ja-JP" altLang="en-US" b="1" dirty="0"/>
-                  <a:t>ライントレースの処理フロー</a:t>
-                </a:r>
-              </a:p>
-            </p:txBody>
-          </p:sp>
-        </p:grpSp>
+          <p:txBody>
+            <a:bodyPr wrap="square" lIns="91426" tIns="45713" rIns="91426" bIns="45713" rtlCol="0">
+              <a:spAutoFit/>
+            </a:bodyPr>
+            <a:lstStyle/>
+            <a:p>
+              <a:pPr algn="l"/>
+              <a:r>
+                <a:rPr kumimoji="1" lang="ja-JP" altLang="en-US" b="1" dirty="0"/>
+                <a:t>ライントレースの処理フロー</a:t>
+              </a:r>
+            </a:p>
+          </p:txBody>
+        </p:sp>
       </p:grpSp>
       <p:grpSp>
         <p:nvGrpSpPr>
-          <p:cNvPr id="48" name="グループ化 47">
-            <a:extLst>
-              <a:ext uri="{FF2B5EF4-FFF2-40B4-BE49-F238E27FC236}">
-                <a16:creationId xmlns:a16="http://schemas.microsoft.com/office/drawing/2014/main" xmlns="" id="{2D73B67B-CC33-4CBD-9C97-8E14B95A0C71}"/>
-              </a:ext>
-            </a:extLst>
-          </p:cNvPr>
+          <p:cNvPr id="6" name="グループ化 5"/>
           <p:cNvGrpSpPr/>
           <p:nvPr/>
         </p:nvGrpSpPr>
@@ -16948,164 +16951,114 @@
           <a:xfrm>
             <a:off x="5815798" y="49221"/>
             <a:ext cx="4653225" cy="10554013"/>
-            <a:chOff x="5714762" y="49221"/>
+            <a:chOff x="15768587" y="1924970"/>
             <a:chExt cx="4653225" cy="10554013"/>
           </a:xfrm>
         </p:grpSpPr>
-        <p:pic>
-          <p:nvPicPr>
-            <p:cNvPr id="47" name="図 46">
+        <p:sp>
+          <p:nvSpPr>
+            <p:cNvPr id="27" name="四角形: 角を丸くする 2">
               <a:extLst>
                 <a:ext uri="{FF2B5EF4-FFF2-40B4-BE49-F238E27FC236}">
-                  <a16:creationId xmlns:a16="http://schemas.microsoft.com/office/drawing/2014/main" xmlns="" id="{FAB120F9-0430-4F8A-9397-8C1383AE05D3}"/>
+                  <a16:creationId xmlns="" xmlns:a16="http://schemas.microsoft.com/office/drawing/2014/main" id="{2B99B1EA-17D2-4495-A343-2A1713BC8495}"/>
                 </a:ext>
               </a:extLst>
             </p:cNvPr>
-            <p:cNvPicPr>
-              <a:picLocks noChangeAspect="1"/>
-            </p:cNvPicPr>
+            <p:cNvSpPr/>
             <p:nvPr/>
-          </p:nvPicPr>
-          <p:blipFill rotWithShape="1">
-            <a:blip r:embed="rId7">
+          </p:nvSpPr>
+          <p:spPr bwMode="auto">
+            <a:xfrm>
+              <a:off x="15768587" y="2133119"/>
+              <a:ext cx="4653225" cy="10345864"/>
+            </a:xfrm>
+            <a:prstGeom prst="roundRect">
+              <a:avLst>
+                <a:gd name="adj" fmla="val 5155"/>
+              </a:avLst>
+            </a:prstGeom>
+            <a:noFill/>
+            <a:ln w="28575" cap="flat" cmpd="sng" algn="ctr">
+              <a:solidFill>
+                <a:srgbClr val="FF0000"/>
+              </a:solidFill>
+              <a:prstDash val="solid"/>
+              <a:round/>
+              <a:headEnd type="none" w="med" len="med"/>
+              <a:tailEnd type="none" w="med" len="med"/>
+            </a:ln>
+            <a:effectLst/>
+            <a:extLst/>
+          </p:spPr>
+          <p:txBody>
+            <a:bodyPr vert="horz" wrap="none" lIns="91426" tIns="45713" rIns="91426" bIns="45713" numCol="1" rtlCol="0" anchor="ctr" anchorCtr="0" compatLnSpc="1">
+              <a:prstTxWarp prst="textNoShape">
+                <a:avLst/>
+              </a:prstTxWarp>
+            </a:bodyPr>
+            <a:lstStyle/>
+            <a:p>
+              <a:pPr defTabSz="914251"/>
+              <a:endParaRPr lang="ja-JP" altLang="en-US">
+                <a:ln>
+                  <a:solidFill>
+                    <a:srgbClr val="FF5353"/>
+                  </a:solidFill>
+                </a:ln>
+              </a:endParaRPr>
+            </a:p>
+          </p:txBody>
+        </p:sp>
+        <p:sp>
+          <p:nvSpPr>
+            <p:cNvPr id="28" name="テキスト ボックス 27">
               <a:extLst>
-                <a:ext uri="{28A0092B-C50C-407E-A947-70E740481C1C}">
-                  <a14:useLocalDpi xmlns:a14="http://schemas.microsoft.com/office/drawing/2010/main" val="0"/>
+                <a:ext uri="{FF2B5EF4-FFF2-40B4-BE49-F238E27FC236}">
+                  <a16:creationId xmlns="" xmlns:a16="http://schemas.microsoft.com/office/drawing/2014/main" id="{825F097D-4588-4F8F-AA42-B0D77B0F9CE3}"/>
                 </a:ext>
               </a:extLst>
-            </a:blip>
-            <a:srcRect l="3872" t="2406" r="1528" b="1509"/>
-            <a:stretch/>
-          </p:blipFill>
+            </p:cNvPr>
+            <p:cNvSpPr txBox="1"/>
+            <p:nvPr/>
+          </p:nvSpPr>
           <p:spPr>
             <a:xfrm>
-              <a:off x="5831848" y="446900"/>
-              <a:ext cx="4363548" cy="10156334"/>
+              <a:off x="16062638" y="1924970"/>
+              <a:ext cx="3146781" cy="369318"/>
             </a:xfrm>
             <a:prstGeom prst="rect">
               <a:avLst/>
             </a:prstGeom>
+            <a:solidFill>
+              <a:srgbClr val="FFE7FF"/>
+            </a:solidFill>
+            <a:ln w="28575">
+              <a:solidFill>
+                <a:srgbClr val="FF0000"/>
+              </a:solidFill>
+            </a:ln>
           </p:spPr>
-        </p:pic>
-        <p:grpSp>
-          <p:nvGrpSpPr>
-            <p:cNvPr id="6" name="グループ化 5"/>
-            <p:cNvGrpSpPr/>
-            <p:nvPr/>
-          </p:nvGrpSpPr>
-          <p:grpSpPr>
-            <a:xfrm>
-              <a:off x="5714762" y="49221"/>
-              <a:ext cx="4653225" cy="10554013"/>
-              <a:chOff x="15768587" y="1924970"/>
-              <a:chExt cx="4653225" cy="10554013"/>
-            </a:xfrm>
-          </p:grpSpPr>
-          <p:sp>
-            <p:nvSpPr>
-              <p:cNvPr id="27" name="四角形: 角を丸くする 2">
-                <a:extLst>
-                  <a:ext uri="{FF2B5EF4-FFF2-40B4-BE49-F238E27FC236}">
-                    <a16:creationId xmlns:a16="http://schemas.microsoft.com/office/drawing/2014/main" xmlns="" id="{2B99B1EA-17D2-4495-A343-2A1713BC8495}"/>
-                  </a:ext>
-                </a:extLst>
-              </p:cNvPr>
-              <p:cNvSpPr/>
-              <p:nvPr/>
-            </p:nvSpPr>
-            <p:spPr bwMode="auto">
-              <a:xfrm>
-                <a:off x="15768587" y="2133119"/>
-                <a:ext cx="4653225" cy="10345864"/>
-              </a:xfrm>
-              <a:prstGeom prst="roundRect">
-                <a:avLst>
-                  <a:gd name="adj" fmla="val 5155"/>
-                </a:avLst>
-              </a:prstGeom>
-              <a:noFill/>
-              <a:ln w="28575" cap="flat" cmpd="sng" algn="ctr">
-                <a:solidFill>
-                  <a:srgbClr val="FF0000"/>
-                </a:solidFill>
-                <a:prstDash val="solid"/>
-                <a:round/>
-                <a:headEnd type="none" w="med" len="med"/>
-                <a:tailEnd type="none" w="med" len="med"/>
-              </a:ln>
-              <a:effectLst/>
-              <a:extLst/>
-            </p:spPr>
-            <p:txBody>
-              <a:bodyPr vert="horz" wrap="none" lIns="91426" tIns="45713" rIns="91426" bIns="45713" numCol="1" rtlCol="0" anchor="ctr" anchorCtr="0" compatLnSpc="1">
-                <a:prstTxWarp prst="textNoShape">
-                  <a:avLst/>
-                </a:prstTxWarp>
-              </a:bodyPr>
-              <a:lstStyle/>
-              <a:p>
-                <a:pPr defTabSz="914251"/>
-                <a:endParaRPr lang="ja-JP" altLang="en-US">
-                  <a:ln>
-                    <a:solidFill>
-                      <a:srgbClr val="FF5353"/>
-                    </a:solidFill>
-                  </a:ln>
-                </a:endParaRPr>
-              </a:p>
-            </p:txBody>
-          </p:sp>
-          <p:sp>
-            <p:nvSpPr>
-              <p:cNvPr id="28" name="テキスト ボックス 27">
-                <a:extLst>
-                  <a:ext uri="{FF2B5EF4-FFF2-40B4-BE49-F238E27FC236}">
-                    <a16:creationId xmlns:a16="http://schemas.microsoft.com/office/drawing/2014/main" xmlns="" id="{825F097D-4588-4F8F-AA42-B0D77B0F9CE3}"/>
-                  </a:ext>
-                </a:extLst>
-              </p:cNvPr>
-              <p:cNvSpPr txBox="1"/>
-              <p:nvPr/>
-            </p:nvSpPr>
-            <p:spPr>
-              <a:xfrm>
-                <a:off x="16062638" y="1924970"/>
-                <a:ext cx="3146781" cy="369318"/>
-              </a:xfrm>
-              <a:prstGeom prst="rect">
-                <a:avLst/>
-              </a:prstGeom>
-              <a:solidFill>
-                <a:srgbClr val="FFE7FF"/>
-              </a:solidFill>
-              <a:ln w="28575">
-                <a:solidFill>
-                  <a:srgbClr val="FF0000"/>
-                </a:solidFill>
-              </a:ln>
-            </p:spPr>
-            <p:txBody>
-              <a:bodyPr wrap="square" lIns="91426" tIns="45713" rIns="91426" bIns="45713" rtlCol="0">
-                <a:spAutoFit/>
-              </a:bodyPr>
-              <a:lstStyle/>
-              <a:p>
-                <a:pPr algn="l"/>
-                <a:r>
-                  <a:rPr kumimoji="1" lang="ja-JP" altLang="en-US" b="1" dirty="0"/>
-                  <a:t>コース復帰動作の処理フロー</a:t>
-                </a:r>
-              </a:p>
-            </p:txBody>
-          </p:sp>
-        </p:grpSp>
+          <p:txBody>
+            <a:bodyPr wrap="square" lIns="91426" tIns="45713" rIns="91426" bIns="45713" rtlCol="0">
+              <a:spAutoFit/>
+            </a:bodyPr>
+            <a:lstStyle/>
+            <a:p>
+              <a:pPr algn="l"/>
+              <a:r>
+                <a:rPr kumimoji="1" lang="ja-JP" altLang="en-US" b="1" dirty="0"/>
+                <a:t>コース復帰動作の処理フロー</a:t>
+              </a:r>
+            </a:p>
+          </p:txBody>
+        </p:sp>
       </p:grpSp>
       <p:sp>
         <p:nvSpPr>
           <p:cNvPr id="41" name="二等辺三角形 40">
             <a:extLst>
               <a:ext uri="{FF2B5EF4-FFF2-40B4-BE49-F238E27FC236}">
-                <a16:creationId xmlns:a16="http://schemas.microsoft.com/office/drawing/2014/main" xmlns="" id="{CB152A7A-BA42-4EC8-B7C8-A01E36FD7ED9}"/>
+                <a16:creationId xmlns="" xmlns:a16="http://schemas.microsoft.com/office/drawing/2014/main" id="{CB152A7A-BA42-4EC8-B7C8-A01E36FD7ED9}"/>
               </a:ext>
             </a:extLst>
           </p:cNvPr>
@@ -17168,7 +17121,7 @@
           <p:cNvPr id="42" name="二等辺三角形 41">
             <a:extLst>
               <a:ext uri="{FF2B5EF4-FFF2-40B4-BE49-F238E27FC236}">
-                <a16:creationId xmlns:a16="http://schemas.microsoft.com/office/drawing/2014/main" xmlns="" id="{82371992-1E67-4BC5-8160-AF143475C599}"/>
+                <a16:creationId xmlns="" xmlns:a16="http://schemas.microsoft.com/office/drawing/2014/main" id="{82371992-1E67-4BC5-8160-AF143475C599}"/>
               </a:ext>
             </a:extLst>
           </p:cNvPr>
@@ -17226,7 +17179,7 @@
           <p:cNvPr id="43" name="四角形: 角を丸くする 42">
             <a:extLst>
               <a:ext uri="{FF2B5EF4-FFF2-40B4-BE49-F238E27FC236}">
-                <a16:creationId xmlns:a16="http://schemas.microsoft.com/office/drawing/2014/main" xmlns="" id="{769F3BC9-EC18-45DC-9A3E-2035CBAA74E4}"/>
+                <a16:creationId xmlns="" xmlns:a16="http://schemas.microsoft.com/office/drawing/2014/main" id="{769F3BC9-EC18-45DC-9A3E-2035CBAA74E4}"/>
               </a:ext>
             </a:extLst>
           </p:cNvPr>
@@ -17319,7 +17272,7 @@
           <p:cNvPr id="36" name="四角形: 角を丸くする 35">
             <a:extLst>
               <a:ext uri="{FF2B5EF4-FFF2-40B4-BE49-F238E27FC236}">
-                <a16:creationId xmlns:a16="http://schemas.microsoft.com/office/drawing/2014/main" xmlns="" id="{F52D4A82-E5C0-4AB8-92BC-7CC83282D881}"/>
+                <a16:creationId xmlns="" xmlns:a16="http://schemas.microsoft.com/office/drawing/2014/main" id="{F52D4A82-E5C0-4AB8-92BC-7CC83282D881}"/>
               </a:ext>
             </a:extLst>
           </p:cNvPr>
@@ -17412,7 +17365,7 @@
           <p:cNvPr id="45" name="二等辺三角形 44">
             <a:extLst>
               <a:ext uri="{FF2B5EF4-FFF2-40B4-BE49-F238E27FC236}">
-                <a16:creationId xmlns:a16="http://schemas.microsoft.com/office/drawing/2014/main" xmlns="" id="{156692DC-8CC4-4265-B706-4E3BA24E34C7}"/>
+                <a16:creationId xmlns="" xmlns:a16="http://schemas.microsoft.com/office/drawing/2014/main" id="{156692DC-8CC4-4265-B706-4E3BA24E34C7}"/>
               </a:ext>
             </a:extLst>
           </p:cNvPr>
@@ -17470,7 +17423,7 @@
           <p:cNvPr id="46" name="四角形: 角を丸くする 45">
             <a:extLst>
               <a:ext uri="{FF2B5EF4-FFF2-40B4-BE49-F238E27FC236}">
-                <a16:creationId xmlns:a16="http://schemas.microsoft.com/office/drawing/2014/main" xmlns="" id="{20229F8B-4B35-407C-BBF1-66ABE368585F}"/>
+                <a16:creationId xmlns="" xmlns:a16="http://schemas.microsoft.com/office/drawing/2014/main" id="{20229F8B-4B35-407C-BBF1-66ABE368585F}"/>
               </a:ext>
             </a:extLst>
           </p:cNvPr>
